--- a/Slides/Lesson 5.1 Introduction to Testing.pptx
+++ b/Slides/Lesson 5.1 Introduction to Testing.pptx
@@ -211,7 +211,7 @@
           <a:p>
             <a:fld id="{7C7E5181-6CF5-45F7-A87A-E0E0B1FD7549}" type="datetimeFigureOut">
               <a:rPr lang="en-US" smtClean="0"/>
-              <a:t>2/11/2022</a:t>
+              <a:t>2/13/22</a:t>
             </a:fld>
             <a:endParaRPr lang="en-US"/>
           </a:p>
@@ -620,6 +620,15 @@
               <a:t>In practice when you are testing, we often begin testing in small and then we move towards testing in the large. What that basically means is that we start testing the modules/functions, the classes that we are writing, and then slowly, slowly, we get to the integration testing and then we get to the system testing and so on. So testing starts small and then you move outwards to testing the overall system. </a:t>
             </a:r>
           </a:p>
+          <a:p>
+            <a:endParaRPr lang="en-US" dirty="0"/>
+          </a:p>
+          <a:p>
+            <a:r>
+              <a:rPr lang="en-US" dirty="0"/>
+              <a:t>As the scope of a test grows, the SUT will become larger, and test failures might become more difficult to debug. More concerningly, as we start to depend on external services (separated by a network), it’s increasingly likely that our tests might fail due to some randomness – like a transient network failure. This behavior might cause the tests to be “flaky” – failing with false alarms. Note that small tests are going to be on the opposite end of this spectrum, and in many cases it will be IMPOSSIBLE for them to be flaky because they don’t rely on any non-determinism. No I/O, no multi-threading.</a:t>
+            </a:r>
+          </a:p>
         </p:txBody>
       </p:sp>
       <p:sp>
@@ -1179,6 +1188,49 @@
               <a:t>SUT is system under test. ‘System under test’ basically means that your software or whatever software and hardware combination i.e., system you have built, you can provide an input. That input will go through your system and produce an output. System can have its own state and it can have other behaviors. </a:t>
             </a:r>
           </a:p>
+          <a:p>
+            <a:pPr marL="0" marR="0" lvl="0" indent="0" algn="l" defTabSz="914400" rtl="0" eaLnBrk="1" fontAlgn="auto" latinLnBrk="0" hangingPunct="1">
+              <a:lnSpc>
+                <a:spcPct val="100000"/>
+              </a:lnSpc>
+              <a:spcBef>
+                <a:spcPts val="0"/>
+              </a:spcBef>
+              <a:spcAft>
+                <a:spcPts val="0"/>
+              </a:spcAft>
+              <a:buClrTx/>
+              <a:buSzTx/>
+              <a:buFontTx/>
+              <a:buNone/>
+              <a:tabLst/>
+              <a:defRPr/>
+            </a:pPr>
+            <a:endParaRPr lang="en-US" dirty="0"/>
+          </a:p>
+          <a:p>
+            <a:pPr marL="0" marR="0" lvl="0" indent="0" algn="l" defTabSz="914400" rtl="0" eaLnBrk="1" fontAlgn="auto" latinLnBrk="0" hangingPunct="1">
+              <a:lnSpc>
+                <a:spcPct val="100000"/>
+              </a:lnSpc>
+              <a:spcBef>
+                <a:spcPts val="0"/>
+              </a:spcBef>
+              <a:spcAft>
+                <a:spcPts val="0"/>
+              </a:spcAft>
+              <a:buClrTx/>
+              <a:buSzTx/>
+              <a:buFontTx/>
+              <a:buNone/>
+              <a:tabLst/>
+              <a:defRPr/>
+            </a:pPr>
+            <a:r>
+              <a:rPr lang="en-US" dirty="0"/>
+              <a:t>Keep in mind that the SUT may interact with other systems which are NOT directly under test, but which the SUT depends on. The behaviors of those external systems might make it difficult to directly test our SUT. This is why it is important to have some definition of what the thing is that you want to test, though…</a:t>
+            </a:r>
+          </a:p>
         </p:txBody>
       </p:sp>
       <p:sp>
@@ -1753,6 +1805,15 @@
             <a:r>
               <a:rPr lang="en-US" dirty="0"/>
               <a:t>&lt;May be explain different SDLC activities and how they are related to V&amp;V&gt;</a:t>
+            </a:r>
+          </a:p>
+          <a:p>
+            <a:endParaRPr lang="en-US" dirty="0"/>
+          </a:p>
+          <a:p>
+            <a:r>
+              <a:rPr lang="en-US" dirty="0"/>
+              <a:t>Discussion question: What are the potential benefits to unit tests vs system tests? What about benefits of system tests vs unit tests?</a:t>
             </a:r>
           </a:p>
         </p:txBody>
@@ -1949,7 +2010,7 @@
           <a:p>
             <a:fld id="{5D2A64DE-480B-420F-9649-4F8E696E08E0}" type="datetime1">
               <a:rPr lang="en-US" smtClean="0"/>
-              <a:t>2/11/2022</a:t>
+              <a:t>2/13/22</a:t>
             </a:fld>
             <a:endParaRPr lang="en-US"/>
           </a:p>
@@ -2183,7 +2244,7 @@
           <a:p>
             <a:fld id="{0D3616D0-8311-4107-9726-6B805E7D05BA}" type="datetime1">
               <a:rPr lang="en-US" smtClean="0"/>
-              <a:t>2/11/2022</a:t>
+              <a:t>2/13/22</a:t>
             </a:fld>
             <a:endParaRPr lang="en-US"/>
           </a:p>
@@ -2391,7 +2452,7 @@
           <a:p>
             <a:fld id="{3BC2557A-5C88-417A-A763-5AC779462A5F}" type="datetime1">
               <a:rPr lang="en-US" smtClean="0"/>
-              <a:t>2/11/2022</a:t>
+              <a:t>2/13/22</a:t>
             </a:fld>
             <a:endParaRPr lang="en-US"/>
           </a:p>
@@ -2921,7 +2982,7 @@
           <a:p>
             <a:fld id="{07C7BFD4-467E-4EDE-93EA-052F5B39A4E5}" type="datetime1">
               <a:rPr lang="en-US" smtClean="0"/>
-              <a:t>2/11/2022</a:t>
+              <a:t>2/13/22</a:t>
             </a:fld>
             <a:endParaRPr lang="en-US"/>
           </a:p>
@@ -3235,7 +3296,7 @@
           <a:p>
             <a:fld id="{A533CBE2-D5BE-47AC-ADC2-9CDFC1D0CF90}" type="datetime1">
               <a:rPr lang="en-US" smtClean="0"/>
-              <a:t>2/11/2022</a:t>
+              <a:t>2/13/22</a:t>
             </a:fld>
             <a:endParaRPr lang="en-US"/>
           </a:p>
@@ -3538,7 +3599,7 @@
           <a:p>
             <a:fld id="{39B7EDB1-CE74-4951-85A2-0B01C2128E28}" type="datetime1">
               <a:rPr lang="en-US" smtClean="0"/>
-              <a:t>2/11/2022</a:t>
+              <a:t>2/13/22</a:t>
             </a:fld>
             <a:endParaRPr lang="en-US"/>
           </a:p>
@@ -3987,7 +4048,7 @@
           <a:p>
             <a:fld id="{2BC7EB92-A5C2-4807-A9DC-9EDE6CBFB241}" type="datetime1">
               <a:rPr lang="en-US" smtClean="0"/>
-              <a:t>2/11/2022</a:t>
+              <a:t>2/13/22</a:t>
             </a:fld>
             <a:endParaRPr lang="en-US"/>
           </a:p>
@@ -4134,7 +4195,7 @@
           <a:p>
             <a:fld id="{109E55A0-C911-4F03-82FC-7E5926047D46}" type="datetime1">
               <a:rPr lang="en-US" smtClean="0"/>
-              <a:t>2/11/2022</a:t>
+              <a:t>2/13/22</a:t>
             </a:fld>
             <a:endParaRPr lang="en-US"/>
           </a:p>
@@ -4283,7 +4344,7 @@
           <a:p>
             <a:fld id="{2B7B7EE0-7771-4CD5-9B2B-3550753A54A1}" type="datetime1">
               <a:rPr lang="en-US" smtClean="0"/>
-              <a:t>2/11/2022</a:t>
+              <a:t>2/13/22</a:t>
             </a:fld>
             <a:endParaRPr lang="en-US"/>
           </a:p>
@@ -4594,7 +4655,7 @@
           <a:p>
             <a:fld id="{F8B318B3-0E87-4416-A9B8-D891968C2727}" type="datetime1">
               <a:rPr lang="en-US" smtClean="0"/>
-              <a:t>2/11/2022</a:t>
+              <a:t>2/13/22</a:t>
             </a:fld>
             <a:endParaRPr lang="en-US"/>
           </a:p>
@@ -4885,7 +4946,7 @@
           <a:p>
             <a:fld id="{EA476A42-A091-4468-A075-64A31BE59948}" type="datetime1">
               <a:rPr lang="en-US" smtClean="0"/>
-              <a:t>2/11/2022</a:t>
+              <a:t>2/13/22</a:t>
             </a:fld>
             <a:endParaRPr lang="en-US"/>
           </a:p>
@@ -5128,7 +5189,7 @@
           <a:p>
             <a:fld id="{54D997E8-DDEE-43F1-8D9B-F8A1E11DE488}" type="datetime1">
               <a:rPr lang="en-US" smtClean="0"/>
-              <a:t>2/11/2022</a:t>
+              <a:t>2/13/22</a:t>
             </a:fld>
             <a:endParaRPr lang="en-US"/>
           </a:p>
@@ -5941,7 +6002,7 @@
         </p:nvSpPr>
         <p:spPr>
           <a:xfrm>
-            <a:off x="1971000" y="3561252"/>
+            <a:off x="3438853" y="3501094"/>
             <a:ext cx="6559351" cy="2290246"/>
           </a:xfrm>
           <a:prstGeom prst="rect">
@@ -5987,7 +6048,7 @@
         </p:nvSpPr>
         <p:spPr>
           <a:xfrm>
-            <a:off x="8505647" y="3561252"/>
+            <a:off x="1767963" y="3501094"/>
             <a:ext cx="1670747" cy="2290246"/>
           </a:xfrm>
           <a:prstGeom prst="rect">
@@ -6033,7 +6094,7 @@
         </p:nvSpPr>
         <p:spPr>
           <a:xfrm>
-            <a:off x="8588394" y="5256597"/>
+            <a:off x="1850710" y="5196439"/>
             <a:ext cx="1505254" cy="377026"/>
           </a:xfrm>
           <a:prstGeom prst="rect">
@@ -6044,7 +6105,7 @@
           </a:ln>
           <a:extLst>
             <a:ext uri="{C572A759-6A51-4108-AA02-DFA0A04FC94B}">
-              <ma14:wrappingTextBoxFlag xmlns:ma14="http://schemas.microsoft.com/office/mac/drawingml/2011/main" xmlns:a14="http://schemas.microsoft.com/office/drawing/2010/main" xmlns:m="http://schemas.openxmlformats.org/officeDocument/2006/math" xmlns="" val="1"/>
+              <ma14:wrappingTextBoxFlag xmlns="" xmlns:m="http://schemas.openxmlformats.org/officeDocument/2006/math" xmlns:a14="http://schemas.microsoft.com/office/drawing/2010/main" xmlns:ma14="http://schemas.microsoft.com/office/mac/drawingml/2011/main" val="1"/>
             </a:ext>
           </a:extLst>
         </p:spPr>
@@ -6083,7 +6144,7 @@
         </p:nvGrpSpPr>
         <p:grpSpPr>
           <a:xfrm>
-            <a:off x="6612694" y="4523101"/>
+            <a:off x="3725116" y="4462943"/>
             <a:ext cx="1505255" cy="1030155"/>
             <a:chOff x="0" y="0"/>
             <a:chExt cx="3010508" cy="2060308"/>
@@ -6151,7 +6212,7 @@
             <a:effectLst/>
             <a:extLst>
               <a:ext uri="{C572A759-6A51-4108-AA02-DFA0A04FC94B}">
-                <ma14:wrappingTextBoxFlag xmlns:ma14="http://schemas.microsoft.com/office/mac/drawingml/2011/main" xmlns:a14="http://schemas.microsoft.com/office/drawing/2010/main" xmlns:m="http://schemas.openxmlformats.org/officeDocument/2006/math" xmlns="" val="1"/>
+                <ma14:wrappingTextBoxFlag xmlns="" xmlns:m="http://schemas.openxmlformats.org/officeDocument/2006/math" xmlns:a14="http://schemas.microsoft.com/office/drawing/2010/main" xmlns:ma14="http://schemas.microsoft.com/office/mac/drawingml/2011/main" val="1"/>
               </a:ext>
             </a:extLst>
           </p:spPr>
@@ -6226,10 +6287,10 @@
         </p:nvGrpSpPr>
         <p:grpSpPr>
           <a:xfrm>
-            <a:off x="9134363" y="4571387"/>
-            <a:ext cx="413315" cy="537437"/>
-            <a:chOff x="0" y="0"/>
-            <a:chExt cx="826628" cy="1074872"/>
+            <a:off x="2117558" y="4042611"/>
+            <a:ext cx="866274" cy="1046748"/>
+            <a:chOff x="-413863" y="-287531"/>
+            <a:chExt cx="1240493" cy="1362405"/>
           </a:xfrm>
         </p:grpSpPr>
         <p:sp>
@@ -6246,8 +6307,8 @@
           </p:nvSpPr>
           <p:spPr>
             <a:xfrm>
-              <a:off x="0" y="0"/>
-              <a:ext cx="826629" cy="1074873"/>
+              <a:off x="-413863" y="-287531"/>
+              <a:ext cx="1240493" cy="1362405"/>
             </a:xfrm>
             <a:custGeom>
               <a:avLst/>
@@ -6310,7 +6371,7 @@
             </a:effectLst>
             <a:extLst>
               <a:ext uri="{C572A759-6A51-4108-AA02-DFA0A04FC94B}">
-                <ma14:wrappingTextBoxFlag xmlns:ma14="http://schemas.microsoft.com/office/mac/drawingml/2011/main" xmlns:a14="http://schemas.microsoft.com/office/drawing/2010/main" xmlns:m="http://schemas.openxmlformats.org/officeDocument/2006/math" xmlns="" val="1"/>
+                <ma14:wrappingTextBoxFlag xmlns="" xmlns:m="http://schemas.openxmlformats.org/officeDocument/2006/math" xmlns:a14="http://schemas.microsoft.com/office/drawing/2010/main" xmlns:ma14="http://schemas.microsoft.com/office/mac/drawingml/2011/main" val="1"/>
               </a:ext>
             </a:extLst>
           </p:spPr>
@@ -6333,9 +6394,10 @@
             </a:lstStyle>
             <a:p>
               <a:r>
-                <a:rPr sz="800"/>
-                <a:t>Mork</a:t>
+                <a:rPr lang="en-US" sz="1100" dirty="0" err="1"/>
+                <a:t>Venusian.ts</a:t>
               </a:r>
+              <a:endParaRPr sz="1100" dirty="0"/>
             </a:p>
           </p:txBody>
         </p:sp>
@@ -6443,7 +6505,7 @@
         </p:nvSpPr>
         <p:spPr>
           <a:xfrm>
-            <a:off x="9121285" y="3651920"/>
+            <a:off x="2383601" y="3591762"/>
             <a:ext cx="403957" cy="284693"/>
           </a:xfrm>
           <a:prstGeom prst="rect">
@@ -6454,7 +6516,7 @@
           </a:ln>
           <a:extLst>
             <a:ext uri="{C572A759-6A51-4108-AA02-DFA0A04FC94B}">
-              <ma14:wrappingTextBoxFlag xmlns:ma14="http://schemas.microsoft.com/office/mac/drawingml/2011/main" xmlns:a14="http://schemas.microsoft.com/office/drawing/2010/main" xmlns:m="http://schemas.openxmlformats.org/officeDocument/2006/math" xmlns="" val="1"/>
+              <ma14:wrappingTextBoxFlag xmlns="" xmlns:m="http://schemas.openxmlformats.org/officeDocument/2006/math" xmlns:a14="http://schemas.microsoft.com/office/drawing/2010/main" xmlns:ma14="http://schemas.microsoft.com/office/mac/drawingml/2011/main" val="1"/>
             </a:ext>
           </a:extLst>
         </p:spPr>
@@ -6493,7 +6555,7 @@
         </p:nvSpPr>
         <p:spPr>
           <a:xfrm>
-            <a:off x="6814573" y="3651920"/>
+            <a:off x="3554015" y="3591762"/>
             <a:ext cx="979820" cy="284693"/>
           </a:xfrm>
           <a:prstGeom prst="rect">
@@ -6504,7 +6566,7 @@
           </a:ln>
           <a:extLst>
             <a:ext uri="{C572A759-6A51-4108-AA02-DFA0A04FC94B}">
-              <ma14:wrappingTextBoxFlag xmlns:ma14="http://schemas.microsoft.com/office/mac/drawingml/2011/main" xmlns:a14="http://schemas.microsoft.com/office/drawing/2010/main" xmlns:m="http://schemas.openxmlformats.org/officeDocument/2006/math" xmlns="" val="1"/>
+              <ma14:wrappingTextBoxFlag xmlns="" xmlns:m="http://schemas.openxmlformats.org/officeDocument/2006/math" xmlns:a14="http://schemas.microsoft.com/office/drawing/2010/main" xmlns:ma14="http://schemas.microsoft.com/office/mac/drawingml/2011/main" val="1"/>
             </a:ext>
           </a:extLst>
         </p:spPr>
@@ -6523,7 +6585,7 @@
           </a:lstStyle>
           <a:p>
             <a:r>
-              <a:rPr sz="1600"/>
+              <a:rPr sz="1600" dirty="0"/>
               <a:t>Integration</a:t>
             </a:r>
           </a:p>
@@ -6543,7 +6605,7 @@
         </p:nvGrpSpPr>
         <p:grpSpPr>
           <a:xfrm>
-            <a:off x="4375174" y="4883117"/>
+            <a:off x="5265511" y="4822959"/>
             <a:ext cx="1947364" cy="661092"/>
             <a:chOff x="0" y="0"/>
             <a:chExt cx="3894726" cy="1322182"/>
@@ -6611,7 +6673,7 @@
             <a:effectLst/>
             <a:extLst>
               <a:ext uri="{C572A759-6A51-4108-AA02-DFA0A04FC94B}">
-                <ma14:wrappingTextBoxFlag xmlns:ma14="http://schemas.microsoft.com/office/mac/drawingml/2011/main" xmlns:a14="http://schemas.microsoft.com/office/drawing/2010/main" xmlns:m="http://schemas.openxmlformats.org/officeDocument/2006/math" xmlns="" val="1"/>
+                <ma14:wrappingTextBoxFlag xmlns="" xmlns:m="http://schemas.openxmlformats.org/officeDocument/2006/math" xmlns:a14="http://schemas.microsoft.com/office/drawing/2010/main" xmlns:ma14="http://schemas.microsoft.com/office/mac/drawingml/2011/main" val="1"/>
               </a:ext>
             </a:extLst>
           </p:spPr>
@@ -6686,7 +6748,7 @@
         </p:nvGrpSpPr>
         <p:grpSpPr>
           <a:xfrm>
-            <a:off x="2080260" y="3709488"/>
+            <a:off x="7566660" y="3649330"/>
             <a:ext cx="2280872" cy="1924135"/>
             <a:chOff x="0" y="0"/>
             <a:chExt cx="4561741" cy="3848269"/>
@@ -6754,7 +6816,7 @@
             <a:effectLst/>
             <a:extLst>
               <a:ext uri="{C572A759-6A51-4108-AA02-DFA0A04FC94B}">
-                <ma14:wrappingTextBoxFlag xmlns:ma14="http://schemas.microsoft.com/office/mac/drawingml/2011/main" xmlns:a14="http://schemas.microsoft.com/office/drawing/2010/main" xmlns:m="http://schemas.openxmlformats.org/officeDocument/2006/math" xmlns="" val="1"/>
+                <ma14:wrappingTextBoxFlag xmlns="" xmlns:m="http://schemas.openxmlformats.org/officeDocument/2006/math" xmlns:a14="http://schemas.microsoft.com/office/drawing/2010/main" xmlns:ma14="http://schemas.microsoft.com/office/mac/drawingml/2011/main" val="1"/>
               </a:ext>
             </a:extLst>
           </p:spPr>
@@ -7005,7 +7067,7 @@
             <a:pPr fontAlgn="base"/>
             <a:r>
               <a:rPr lang="en-US" dirty="0"/>
-              <a:t>Small: run on a single process, no blocking I/O</a:t>
+              <a:t>Small: run on a single process, no I/O</a:t>
             </a:r>
           </a:p>
           <a:p>
@@ -7041,6 +7103,13 @@
             <a:r>
               <a:rPr lang="en-US" dirty="0"/>
               <a:t>May have serious $$$ cost in network services or personnel.</a:t>
+            </a:r>
+          </a:p>
+          <a:p>
+            <a:pPr lvl="1" fontAlgn="base"/>
+            <a:r>
+              <a:rPr lang="en-US" dirty="0"/>
+              <a:t>Much more likely to be “flaky,” failures are more difficult to debug</a:t>
             </a:r>
           </a:p>
           <a:p>
@@ -7956,7 +8025,7 @@
           </a:effectLst>
           <a:extLst>
             <a:ext uri="{C572A759-6A51-4108-AA02-DFA0A04FC94B}">
-              <ma14:wrappingTextBoxFlag xmlns="" xmlns:m="http://schemas.openxmlformats.org/officeDocument/2006/math" xmlns:a14="http://schemas.microsoft.com/office/drawing/2010/main" xmlns:ma14="http://schemas.microsoft.com/office/mac/drawingml/2011/main" val="1"/>
+              <ma14:wrappingTextBoxFlag xmlns:ma14="http://schemas.microsoft.com/office/mac/drawingml/2011/main" xmlns:a14="http://schemas.microsoft.com/office/drawing/2010/main" xmlns:m="http://schemas.openxmlformats.org/officeDocument/2006/math" xmlns="" val="1"/>
             </a:ext>
           </a:extLst>
         </p:spPr>

--- a/Slides/Lesson 5.1 Introduction to Testing.pptx
+++ b/Slides/Lesson 5.1 Introduction to Testing.pptx
@@ -211,7 +211,7 @@
           <a:p>
             <a:fld id="{7C7E5181-6CF5-45F7-A87A-E0E0B1FD7549}" type="datetimeFigureOut">
               <a:rPr lang="en-US" smtClean="0"/>
-              <a:t>2/13/22</a:t>
+              <a:t>2/13/2022</a:t>
             </a:fld>
             <a:endParaRPr lang="en-US"/>
           </a:p>
@@ -615,9 +615,26 @@
             </a:r>
           </a:p>
           <a:p>
+            <a:pPr marL="0" marR="0" lvl="0" indent="0" algn="l" defTabSz="914400" rtl="0" eaLnBrk="1" fontAlgn="auto" latinLnBrk="0" hangingPunct="1">
+              <a:lnSpc>
+                <a:spcPct val="100000"/>
+              </a:lnSpc>
+              <a:spcBef>
+                <a:spcPts val="0"/>
+              </a:spcBef>
+              <a:spcAft>
+                <a:spcPts val="0"/>
+              </a:spcAft>
+              <a:buClrTx/>
+              <a:buSzTx/>
+              <a:buFontTx/>
+              <a:buNone/>
+              <a:tabLst/>
+              <a:defRPr/>
+            </a:pPr>
             <a:r>
               <a:rPr lang="en-US" dirty="0"/>
-              <a:t>In practice when you are testing, we often begin testing in small and then we move towards testing in the large. What that basically means is that we start testing the modules/functions, the classes that we are writing, and then slowly, slowly, we get to the integration testing and then we get to the system testing and so on. So testing starts small and then you move outwards to testing the overall system. </a:t>
+              <a:t>In practice when you are testing, we often begin testing in small and then we move towards testing in the large. What that basically means is that we start testing the modules/functions, the classes that we are writing, and then slowly, slowly, we get to the integration testing and then we get to the system testing and so on. </a:t>
             </a:r>
           </a:p>
           <a:p>
@@ -713,6 +730,20 @@
           <a:p>
             <a:r>
               <a:rPr lang="en-US" dirty="0"/>
+              <a:t>Manner of testing usually starts with the question: do we have the code to look at or not? That is what primarily distinguished between black-box or white box testing.</a:t>
+            </a:r>
+            <a:br>
+              <a:rPr lang="en-US" dirty="0"/>
+            </a:br>
+            <a:r>
+              <a:rPr lang="en-US" dirty="0"/>
+              <a:t>We can test the software manually or write automated tests</a:t>
+            </a:r>
+            <a:br>
+              <a:rPr lang="en-US" dirty="0"/>
+            </a:br>
+            <a:r>
+              <a:rPr lang="en-US" dirty="0"/>
               <a:t>&lt;read slide&gt;</a:t>
             </a:r>
           </a:p>
@@ -1603,21 +1634,20 @@
             </a:br>
             <a:r>
               <a:rPr lang="en-US" dirty="0"/>
-              <a:t>Functional tests are often known as black box testing where you are not looking at the source code. It is a black box and you just have API. You know how to run the code or you're testing functions or behaviors. So you're basically looking at the specification and seeing if the functionality of your system meets those specifications. </a:t>
+              <a:t>TDD is a standard approach where development follows the tests. Tests serve as the fuel that fire up the development engine.</a:t>
             </a:r>
             <a:br>
               <a:rPr lang="en-US" dirty="0"/>
             </a:br>
             <a:r>
               <a:rPr lang="en-US" dirty="0"/>
-              <a:t>Structural testing, on the other hand, looks inside the box. It's a white box testing where you are looking at the source code and you're trying to figure out if everything looks right.</a:t>
-            </a:r>
-            <a:br>
+              <a:t>If the goal is to prevent bugs from reappearing in your system when you make changes, Regression testing is often the solution</a:t>
+            </a:r>
+          </a:p>
+          <a:p>
+            <a:r>
               <a:rPr lang="en-US" dirty="0"/>
-            </a:br>
-            <a:r>
-              <a:rPr lang="en-US" dirty="0"/>
-              <a:t>Regression testing relates to preventing bugs from reappearing in your system when you make changes</a:t>
+              <a:t>When you are looking for customer-level feedback on requirement, it falls under Acceptance testing</a:t>
             </a:r>
           </a:p>
           <a:p>
@@ -2010,7 +2040,7 @@
           <a:p>
             <a:fld id="{5D2A64DE-480B-420F-9649-4F8E696E08E0}" type="datetime1">
               <a:rPr lang="en-US" smtClean="0"/>
-              <a:t>2/13/22</a:t>
+              <a:t>2/13/2022</a:t>
             </a:fld>
             <a:endParaRPr lang="en-US"/>
           </a:p>
@@ -2244,7 +2274,7 @@
           <a:p>
             <a:fld id="{0D3616D0-8311-4107-9726-6B805E7D05BA}" type="datetime1">
               <a:rPr lang="en-US" smtClean="0"/>
-              <a:t>2/13/22</a:t>
+              <a:t>2/13/2022</a:t>
             </a:fld>
             <a:endParaRPr lang="en-US"/>
           </a:p>
@@ -2452,7 +2482,7 @@
           <a:p>
             <a:fld id="{3BC2557A-5C88-417A-A763-5AC779462A5F}" type="datetime1">
               <a:rPr lang="en-US" smtClean="0"/>
-              <a:t>2/13/22</a:t>
+              <a:t>2/13/2022</a:t>
             </a:fld>
             <a:endParaRPr lang="en-US"/>
           </a:p>
@@ -2982,7 +3012,7 @@
           <a:p>
             <a:fld id="{07C7BFD4-467E-4EDE-93EA-052F5B39A4E5}" type="datetime1">
               <a:rPr lang="en-US" smtClean="0"/>
-              <a:t>2/13/22</a:t>
+              <a:t>2/13/2022</a:t>
             </a:fld>
             <a:endParaRPr lang="en-US"/>
           </a:p>
@@ -3296,7 +3326,7 @@
           <a:p>
             <a:fld id="{A533CBE2-D5BE-47AC-ADC2-9CDFC1D0CF90}" type="datetime1">
               <a:rPr lang="en-US" smtClean="0"/>
-              <a:t>2/13/22</a:t>
+              <a:t>2/13/2022</a:t>
             </a:fld>
             <a:endParaRPr lang="en-US"/>
           </a:p>
@@ -3599,7 +3629,7 @@
           <a:p>
             <a:fld id="{39B7EDB1-CE74-4951-85A2-0B01C2128E28}" type="datetime1">
               <a:rPr lang="en-US" smtClean="0"/>
-              <a:t>2/13/22</a:t>
+              <a:t>2/13/2022</a:t>
             </a:fld>
             <a:endParaRPr lang="en-US"/>
           </a:p>
@@ -4048,7 +4078,7 @@
           <a:p>
             <a:fld id="{2BC7EB92-A5C2-4807-A9DC-9EDE6CBFB241}" type="datetime1">
               <a:rPr lang="en-US" smtClean="0"/>
-              <a:t>2/13/22</a:t>
+              <a:t>2/13/2022</a:t>
             </a:fld>
             <a:endParaRPr lang="en-US"/>
           </a:p>
@@ -4195,7 +4225,7 @@
           <a:p>
             <a:fld id="{109E55A0-C911-4F03-82FC-7E5926047D46}" type="datetime1">
               <a:rPr lang="en-US" smtClean="0"/>
-              <a:t>2/13/22</a:t>
+              <a:t>2/13/2022</a:t>
             </a:fld>
             <a:endParaRPr lang="en-US"/>
           </a:p>
@@ -4344,7 +4374,7 @@
           <a:p>
             <a:fld id="{2B7B7EE0-7771-4CD5-9B2B-3550753A54A1}" type="datetime1">
               <a:rPr lang="en-US" smtClean="0"/>
-              <a:t>2/13/22</a:t>
+              <a:t>2/13/2022</a:t>
             </a:fld>
             <a:endParaRPr lang="en-US"/>
           </a:p>
@@ -4655,7 +4685,7 @@
           <a:p>
             <a:fld id="{F8B318B3-0E87-4416-A9B8-D891968C2727}" type="datetime1">
               <a:rPr lang="en-US" smtClean="0"/>
-              <a:t>2/13/22</a:t>
+              <a:t>2/13/2022</a:t>
             </a:fld>
             <a:endParaRPr lang="en-US"/>
           </a:p>
@@ -4946,7 +4976,7 @@
           <a:p>
             <a:fld id="{EA476A42-A091-4468-A075-64A31BE59948}" type="datetime1">
               <a:rPr lang="en-US" smtClean="0"/>
-              <a:t>2/13/22</a:t>
+              <a:t>2/13/2022</a:t>
             </a:fld>
             <a:endParaRPr lang="en-US"/>
           </a:p>
@@ -5189,7 +5219,7 @@
           <a:p>
             <a:fld id="{54D997E8-DDEE-43F1-8D9B-F8A1E11DE488}" type="datetime1">
               <a:rPr lang="en-US" smtClean="0"/>
-              <a:t>2/13/22</a:t>
+              <a:t>2/13/2022</a:t>
             </a:fld>
             <a:endParaRPr lang="en-US"/>
           </a:p>
@@ -6105,7 +6135,7 @@
           </a:ln>
           <a:extLst>
             <a:ext uri="{C572A759-6A51-4108-AA02-DFA0A04FC94B}">
-              <ma14:wrappingTextBoxFlag xmlns="" xmlns:m="http://schemas.openxmlformats.org/officeDocument/2006/math" xmlns:a14="http://schemas.microsoft.com/office/drawing/2010/main" xmlns:ma14="http://schemas.microsoft.com/office/mac/drawingml/2011/main" val="1"/>
+              <ma14:wrappingTextBoxFlag xmlns:ma14="http://schemas.microsoft.com/office/mac/drawingml/2011/main" xmlns:a14="http://schemas.microsoft.com/office/drawing/2010/main" xmlns:m="http://schemas.openxmlformats.org/officeDocument/2006/math" xmlns="" val="1"/>
             </a:ext>
           </a:extLst>
         </p:spPr>
@@ -6212,7 +6242,7 @@
             <a:effectLst/>
             <a:extLst>
               <a:ext uri="{C572A759-6A51-4108-AA02-DFA0A04FC94B}">
-                <ma14:wrappingTextBoxFlag xmlns="" xmlns:m="http://schemas.openxmlformats.org/officeDocument/2006/math" xmlns:a14="http://schemas.microsoft.com/office/drawing/2010/main" xmlns:ma14="http://schemas.microsoft.com/office/mac/drawingml/2011/main" val="1"/>
+                <ma14:wrappingTextBoxFlag xmlns:ma14="http://schemas.microsoft.com/office/mac/drawingml/2011/main" xmlns:a14="http://schemas.microsoft.com/office/drawing/2010/main" xmlns:m="http://schemas.openxmlformats.org/officeDocument/2006/math" xmlns="" val="1"/>
               </a:ext>
             </a:extLst>
           </p:spPr>
@@ -6371,7 +6401,7 @@
             </a:effectLst>
             <a:extLst>
               <a:ext uri="{C572A759-6A51-4108-AA02-DFA0A04FC94B}">
-                <ma14:wrappingTextBoxFlag xmlns="" xmlns:m="http://schemas.openxmlformats.org/officeDocument/2006/math" xmlns:a14="http://schemas.microsoft.com/office/drawing/2010/main" xmlns:ma14="http://schemas.microsoft.com/office/mac/drawingml/2011/main" val="1"/>
+                <ma14:wrappingTextBoxFlag xmlns:ma14="http://schemas.microsoft.com/office/mac/drawingml/2011/main" xmlns:a14="http://schemas.microsoft.com/office/drawing/2010/main" xmlns:m="http://schemas.openxmlformats.org/officeDocument/2006/math" xmlns="" val="1"/>
               </a:ext>
             </a:extLst>
           </p:spPr>
@@ -6516,7 +6546,7 @@
           </a:ln>
           <a:extLst>
             <a:ext uri="{C572A759-6A51-4108-AA02-DFA0A04FC94B}">
-              <ma14:wrappingTextBoxFlag xmlns="" xmlns:m="http://schemas.openxmlformats.org/officeDocument/2006/math" xmlns:a14="http://schemas.microsoft.com/office/drawing/2010/main" xmlns:ma14="http://schemas.microsoft.com/office/mac/drawingml/2011/main" val="1"/>
+              <ma14:wrappingTextBoxFlag xmlns:ma14="http://schemas.microsoft.com/office/mac/drawingml/2011/main" xmlns:a14="http://schemas.microsoft.com/office/drawing/2010/main" xmlns:m="http://schemas.openxmlformats.org/officeDocument/2006/math" xmlns="" val="1"/>
             </a:ext>
           </a:extLst>
         </p:spPr>
@@ -6566,7 +6596,7 @@
           </a:ln>
           <a:extLst>
             <a:ext uri="{C572A759-6A51-4108-AA02-DFA0A04FC94B}">
-              <ma14:wrappingTextBoxFlag xmlns="" xmlns:m="http://schemas.openxmlformats.org/officeDocument/2006/math" xmlns:a14="http://schemas.microsoft.com/office/drawing/2010/main" xmlns:ma14="http://schemas.microsoft.com/office/mac/drawingml/2011/main" val="1"/>
+              <ma14:wrappingTextBoxFlag xmlns:ma14="http://schemas.microsoft.com/office/mac/drawingml/2011/main" xmlns:a14="http://schemas.microsoft.com/office/drawing/2010/main" xmlns:m="http://schemas.openxmlformats.org/officeDocument/2006/math" xmlns="" val="1"/>
             </a:ext>
           </a:extLst>
         </p:spPr>
@@ -6673,7 +6703,7 @@
             <a:effectLst/>
             <a:extLst>
               <a:ext uri="{C572A759-6A51-4108-AA02-DFA0A04FC94B}">
-                <ma14:wrappingTextBoxFlag xmlns="" xmlns:m="http://schemas.openxmlformats.org/officeDocument/2006/math" xmlns:a14="http://schemas.microsoft.com/office/drawing/2010/main" xmlns:ma14="http://schemas.microsoft.com/office/mac/drawingml/2011/main" val="1"/>
+                <ma14:wrappingTextBoxFlag xmlns:ma14="http://schemas.microsoft.com/office/mac/drawingml/2011/main" xmlns:a14="http://schemas.microsoft.com/office/drawing/2010/main" xmlns:m="http://schemas.openxmlformats.org/officeDocument/2006/math" xmlns="" val="1"/>
               </a:ext>
             </a:extLst>
           </p:spPr>
@@ -6816,7 +6846,7 @@
             <a:effectLst/>
             <a:extLst>
               <a:ext uri="{C572A759-6A51-4108-AA02-DFA0A04FC94B}">
-                <ma14:wrappingTextBoxFlag xmlns="" xmlns:m="http://schemas.openxmlformats.org/officeDocument/2006/math" xmlns:a14="http://schemas.microsoft.com/office/drawing/2010/main" xmlns:ma14="http://schemas.microsoft.com/office/mac/drawingml/2011/main" val="1"/>
+                <ma14:wrappingTextBoxFlag xmlns:ma14="http://schemas.microsoft.com/office/mac/drawingml/2011/main" xmlns:a14="http://schemas.microsoft.com/office/drawing/2010/main" xmlns:m="http://schemas.openxmlformats.org/officeDocument/2006/math" xmlns="" val="1"/>
               </a:ext>
             </a:extLst>
           </p:spPr>
@@ -7340,7 +7370,7 @@
           <a:p>
             <a:r>
               <a:rPr lang="en-US" dirty="0"/>
-              <a:t>Black-box vs white-box testing</a:t>
+              <a:t>Black-box vs White-box testing</a:t>
             </a:r>
           </a:p>
           <a:p>
@@ -8025,7 +8055,7 @@
           </a:effectLst>
           <a:extLst>
             <a:ext uri="{C572A759-6A51-4108-AA02-DFA0A04FC94B}">
-              <ma14:wrappingTextBoxFlag xmlns:ma14="http://schemas.microsoft.com/office/mac/drawingml/2011/main" xmlns:a14="http://schemas.microsoft.com/office/drawing/2010/main" xmlns:m="http://schemas.openxmlformats.org/officeDocument/2006/math" xmlns="" val="1"/>
+              <ma14:wrappingTextBoxFlag xmlns="" xmlns:m="http://schemas.openxmlformats.org/officeDocument/2006/math" xmlns:a14="http://schemas.microsoft.com/office/drawing/2010/main" xmlns:ma14="http://schemas.microsoft.com/office/mac/drawingml/2011/main" val="1"/>
             </a:ext>
           </a:extLst>
         </p:spPr>

--- a/Slides/Lesson 5.1 Introduction to Testing.pptx
+++ b/Slides/Lesson 5.1 Introduction to Testing.pptx
@@ -211,7 +211,7 @@
           <a:p>
             <a:fld id="{7C7E5181-6CF5-45F7-A87A-E0E0B1FD7549}" type="datetimeFigureOut">
               <a:rPr lang="en-US" smtClean="0"/>
-              <a:t>2/13/2022</a:t>
+              <a:t>2/14/2022</a:t>
             </a:fld>
             <a:endParaRPr lang="en-US"/>
           </a:p>
@@ -2040,7 +2040,7 @@
           <a:p>
             <a:fld id="{5D2A64DE-480B-420F-9649-4F8E696E08E0}" type="datetime1">
               <a:rPr lang="en-US" smtClean="0"/>
-              <a:t>2/13/2022</a:t>
+              <a:t>2/14/2022</a:t>
             </a:fld>
             <a:endParaRPr lang="en-US"/>
           </a:p>
@@ -2274,7 +2274,7 @@
           <a:p>
             <a:fld id="{0D3616D0-8311-4107-9726-6B805E7D05BA}" type="datetime1">
               <a:rPr lang="en-US" smtClean="0"/>
-              <a:t>2/13/2022</a:t>
+              <a:t>2/14/2022</a:t>
             </a:fld>
             <a:endParaRPr lang="en-US"/>
           </a:p>
@@ -2482,7 +2482,7 @@
           <a:p>
             <a:fld id="{3BC2557A-5C88-417A-A763-5AC779462A5F}" type="datetime1">
               <a:rPr lang="en-US" smtClean="0"/>
-              <a:t>2/13/2022</a:t>
+              <a:t>2/14/2022</a:t>
             </a:fld>
             <a:endParaRPr lang="en-US"/>
           </a:p>
@@ -3012,7 +3012,7 @@
           <a:p>
             <a:fld id="{07C7BFD4-467E-4EDE-93EA-052F5B39A4E5}" type="datetime1">
               <a:rPr lang="en-US" smtClean="0"/>
-              <a:t>2/13/2022</a:t>
+              <a:t>2/14/2022</a:t>
             </a:fld>
             <a:endParaRPr lang="en-US"/>
           </a:p>
@@ -3326,7 +3326,7 @@
           <a:p>
             <a:fld id="{A533CBE2-D5BE-47AC-ADC2-9CDFC1D0CF90}" type="datetime1">
               <a:rPr lang="en-US" smtClean="0"/>
-              <a:t>2/13/2022</a:t>
+              <a:t>2/14/2022</a:t>
             </a:fld>
             <a:endParaRPr lang="en-US"/>
           </a:p>
@@ -3629,7 +3629,7 @@
           <a:p>
             <a:fld id="{39B7EDB1-CE74-4951-85A2-0B01C2128E28}" type="datetime1">
               <a:rPr lang="en-US" smtClean="0"/>
-              <a:t>2/13/2022</a:t>
+              <a:t>2/14/2022</a:t>
             </a:fld>
             <a:endParaRPr lang="en-US"/>
           </a:p>
@@ -4078,7 +4078,7 @@
           <a:p>
             <a:fld id="{2BC7EB92-A5C2-4807-A9DC-9EDE6CBFB241}" type="datetime1">
               <a:rPr lang="en-US" smtClean="0"/>
-              <a:t>2/13/2022</a:t>
+              <a:t>2/14/2022</a:t>
             </a:fld>
             <a:endParaRPr lang="en-US"/>
           </a:p>
@@ -4225,7 +4225,7 @@
           <a:p>
             <a:fld id="{109E55A0-C911-4F03-82FC-7E5926047D46}" type="datetime1">
               <a:rPr lang="en-US" smtClean="0"/>
-              <a:t>2/13/2022</a:t>
+              <a:t>2/14/2022</a:t>
             </a:fld>
             <a:endParaRPr lang="en-US"/>
           </a:p>
@@ -4374,7 +4374,7 @@
           <a:p>
             <a:fld id="{2B7B7EE0-7771-4CD5-9B2B-3550753A54A1}" type="datetime1">
               <a:rPr lang="en-US" smtClean="0"/>
-              <a:t>2/13/2022</a:t>
+              <a:t>2/14/2022</a:t>
             </a:fld>
             <a:endParaRPr lang="en-US"/>
           </a:p>
@@ -4685,7 +4685,7 @@
           <a:p>
             <a:fld id="{F8B318B3-0E87-4416-A9B8-D891968C2727}" type="datetime1">
               <a:rPr lang="en-US" smtClean="0"/>
-              <a:t>2/13/2022</a:t>
+              <a:t>2/14/2022</a:t>
             </a:fld>
             <a:endParaRPr lang="en-US"/>
           </a:p>
@@ -4976,7 +4976,7 @@
           <a:p>
             <a:fld id="{EA476A42-A091-4468-A075-64A31BE59948}" type="datetime1">
               <a:rPr lang="en-US" smtClean="0"/>
-              <a:t>2/13/2022</a:t>
+              <a:t>2/14/2022</a:t>
             </a:fld>
             <a:endParaRPr lang="en-US"/>
           </a:p>
@@ -5219,7 +5219,7 @@
           <a:p>
             <a:fld id="{54D997E8-DDEE-43F1-8D9B-F8A1E11DE488}" type="datetime1">
               <a:rPr lang="en-US" smtClean="0"/>
-              <a:t>2/13/2022</a:t>
+              <a:t>2/14/2022</a:t>
             </a:fld>
             <a:endParaRPr lang="en-US"/>
           </a:p>
@@ -5671,7 +5671,7 @@
               <a:rPr lang="en-US" altLang="en-US" sz="3200" dirty="0">
                 <a:sym typeface="Helvetica Neue" charset="0"/>
               </a:rPr>
-              <a:t>CS 4350: Fundamentals of Software Engineering</a:t>
+              <a:t>CS 4530: Fundamentals of Software Engineering</a:t>
             </a:r>
             <a:br>
               <a:rPr lang="en-US" altLang="en-US" sz="3200" dirty="0">
@@ -5699,7 +5699,7 @@
               <a:rPr lang="en-US" altLang="en-US" sz="3200" dirty="0">
                 <a:sym typeface="Helvetica Neue" charset="0"/>
               </a:rPr>
-              <a:t> Introduction to Testing and TDD</a:t>
+              <a:t> Introduction to Testing</a:t>
             </a:r>
             <a:endParaRPr lang="en-US" sz="3200" dirty="0"/>
           </a:p>
@@ -6135,7 +6135,7 @@
           </a:ln>
           <a:extLst>
             <a:ext uri="{C572A759-6A51-4108-AA02-DFA0A04FC94B}">
-              <ma14:wrappingTextBoxFlag xmlns:ma14="http://schemas.microsoft.com/office/mac/drawingml/2011/main" xmlns:a14="http://schemas.microsoft.com/office/drawing/2010/main" xmlns:m="http://schemas.openxmlformats.org/officeDocument/2006/math" xmlns="" val="1"/>
+              <ma14:wrappingTextBoxFlag xmlns="" xmlns:m="http://schemas.openxmlformats.org/officeDocument/2006/math" xmlns:a14="http://schemas.microsoft.com/office/drawing/2010/main" xmlns:ma14="http://schemas.microsoft.com/office/mac/drawingml/2011/main" val="1"/>
             </a:ext>
           </a:extLst>
         </p:spPr>
@@ -6242,7 +6242,7 @@
             <a:effectLst/>
             <a:extLst>
               <a:ext uri="{C572A759-6A51-4108-AA02-DFA0A04FC94B}">
-                <ma14:wrappingTextBoxFlag xmlns:ma14="http://schemas.microsoft.com/office/mac/drawingml/2011/main" xmlns:a14="http://schemas.microsoft.com/office/drawing/2010/main" xmlns:m="http://schemas.openxmlformats.org/officeDocument/2006/math" xmlns="" val="1"/>
+                <ma14:wrappingTextBoxFlag xmlns="" xmlns:m="http://schemas.openxmlformats.org/officeDocument/2006/math" xmlns:a14="http://schemas.microsoft.com/office/drawing/2010/main" xmlns:ma14="http://schemas.microsoft.com/office/mac/drawingml/2011/main" val="1"/>
               </a:ext>
             </a:extLst>
           </p:spPr>
@@ -6401,7 +6401,7 @@
             </a:effectLst>
             <a:extLst>
               <a:ext uri="{C572A759-6A51-4108-AA02-DFA0A04FC94B}">
-                <ma14:wrappingTextBoxFlag xmlns:ma14="http://schemas.microsoft.com/office/mac/drawingml/2011/main" xmlns:a14="http://schemas.microsoft.com/office/drawing/2010/main" xmlns:m="http://schemas.openxmlformats.org/officeDocument/2006/math" xmlns="" val="1"/>
+                <ma14:wrappingTextBoxFlag xmlns="" xmlns:m="http://schemas.openxmlformats.org/officeDocument/2006/math" xmlns:a14="http://schemas.microsoft.com/office/drawing/2010/main" xmlns:ma14="http://schemas.microsoft.com/office/mac/drawingml/2011/main" val="1"/>
               </a:ext>
             </a:extLst>
           </p:spPr>
@@ -6546,7 +6546,7 @@
           </a:ln>
           <a:extLst>
             <a:ext uri="{C572A759-6A51-4108-AA02-DFA0A04FC94B}">
-              <ma14:wrappingTextBoxFlag xmlns:ma14="http://schemas.microsoft.com/office/mac/drawingml/2011/main" xmlns:a14="http://schemas.microsoft.com/office/drawing/2010/main" xmlns:m="http://schemas.openxmlformats.org/officeDocument/2006/math" xmlns="" val="1"/>
+              <ma14:wrappingTextBoxFlag xmlns="" xmlns:m="http://schemas.openxmlformats.org/officeDocument/2006/math" xmlns:a14="http://schemas.microsoft.com/office/drawing/2010/main" xmlns:ma14="http://schemas.microsoft.com/office/mac/drawingml/2011/main" val="1"/>
             </a:ext>
           </a:extLst>
         </p:spPr>
@@ -6596,7 +6596,7 @@
           </a:ln>
           <a:extLst>
             <a:ext uri="{C572A759-6A51-4108-AA02-DFA0A04FC94B}">
-              <ma14:wrappingTextBoxFlag xmlns:ma14="http://schemas.microsoft.com/office/mac/drawingml/2011/main" xmlns:a14="http://schemas.microsoft.com/office/drawing/2010/main" xmlns:m="http://schemas.openxmlformats.org/officeDocument/2006/math" xmlns="" val="1"/>
+              <ma14:wrappingTextBoxFlag xmlns="" xmlns:m="http://schemas.openxmlformats.org/officeDocument/2006/math" xmlns:a14="http://schemas.microsoft.com/office/drawing/2010/main" xmlns:ma14="http://schemas.microsoft.com/office/mac/drawingml/2011/main" val="1"/>
             </a:ext>
           </a:extLst>
         </p:spPr>
@@ -6703,7 +6703,7 @@
             <a:effectLst/>
             <a:extLst>
               <a:ext uri="{C572A759-6A51-4108-AA02-DFA0A04FC94B}">
-                <ma14:wrappingTextBoxFlag xmlns:ma14="http://schemas.microsoft.com/office/mac/drawingml/2011/main" xmlns:a14="http://schemas.microsoft.com/office/drawing/2010/main" xmlns:m="http://schemas.openxmlformats.org/officeDocument/2006/math" xmlns="" val="1"/>
+                <ma14:wrappingTextBoxFlag xmlns="" xmlns:m="http://schemas.openxmlformats.org/officeDocument/2006/math" xmlns:a14="http://schemas.microsoft.com/office/drawing/2010/main" xmlns:ma14="http://schemas.microsoft.com/office/mac/drawingml/2011/main" val="1"/>
               </a:ext>
             </a:extLst>
           </p:spPr>
@@ -6846,7 +6846,7 @@
             <a:effectLst/>
             <a:extLst>
               <a:ext uri="{C572A759-6A51-4108-AA02-DFA0A04FC94B}">
-                <ma14:wrappingTextBoxFlag xmlns:ma14="http://schemas.microsoft.com/office/mac/drawingml/2011/main" xmlns:a14="http://schemas.microsoft.com/office/drawing/2010/main" xmlns:m="http://schemas.openxmlformats.org/officeDocument/2006/math" xmlns="" val="1"/>
+                <ma14:wrappingTextBoxFlag xmlns="" xmlns:m="http://schemas.openxmlformats.org/officeDocument/2006/math" xmlns:a14="http://schemas.microsoft.com/office/drawing/2010/main" xmlns:ma14="http://schemas.microsoft.com/office/mac/drawingml/2011/main" val="1"/>
               </a:ext>
             </a:extLst>
           </p:spPr>
@@ -8055,7 +8055,7 @@
           </a:effectLst>
           <a:extLst>
             <a:ext uri="{C572A759-6A51-4108-AA02-DFA0A04FC94B}">
-              <ma14:wrappingTextBoxFlag xmlns="" xmlns:m="http://schemas.openxmlformats.org/officeDocument/2006/math" xmlns:a14="http://schemas.microsoft.com/office/drawing/2010/main" xmlns:ma14="http://schemas.microsoft.com/office/mac/drawingml/2011/main" val="1"/>
+              <ma14:wrappingTextBoxFlag xmlns:ma14="http://schemas.microsoft.com/office/mac/drawingml/2011/main" xmlns:a14="http://schemas.microsoft.com/office/drawing/2010/main" xmlns:m="http://schemas.openxmlformats.org/officeDocument/2006/math" xmlns="" val="1"/>
             </a:ext>
           </a:extLst>
         </p:spPr>

--- a/Slides/Lesson 5.1 Introduction to Testing.pptx
+++ b/Slides/Lesson 5.1 Introduction to Testing.pptx
@@ -211,7 +211,7 @@
           <a:p>
             <a:fld id="{7C7E5181-6CF5-45F7-A87A-E0E0B1FD7549}" type="datetimeFigureOut">
               <a:rPr lang="en-US" smtClean="0"/>
-              <a:t>2/14/2022</a:t>
+              <a:t>2/16/2022</a:t>
             </a:fld>
             <a:endParaRPr lang="en-US"/>
           </a:p>
@@ -1743,6 +1743,12 @@
               <a:t>&lt;read slide&gt;</a:t>
             </a:r>
           </a:p>
+          <a:p>
+            <a:r>
+              <a:rPr lang="en-US" dirty="0"/>
+              <a:t>Discuss: what else does the test tell you?</a:t>
+            </a:r>
+          </a:p>
         </p:txBody>
       </p:sp>
       <p:sp>
@@ -1843,7 +1849,15 @@
           <a:p>
             <a:r>
               <a:rPr lang="en-US" dirty="0"/>
-              <a:t>Discussion question: What are the potential benefits to unit tests vs system tests? What about benefits of system tests vs unit tests?</a:t>
+              <a:t>Discussion question: What are the potential benefits to unit tests </a:t>
+            </a:r>
+            <a:r>
+              <a:rPr lang="en-US"/>
+              <a:t>vs integration </a:t>
+            </a:r>
+            <a:r>
+              <a:rPr lang="en-US" dirty="0"/>
+              <a:t>tests? What about benefits of system tests vs unit tests?</a:t>
             </a:r>
           </a:p>
         </p:txBody>
@@ -2040,7 +2054,7 @@
           <a:p>
             <a:fld id="{5D2A64DE-480B-420F-9649-4F8E696E08E0}" type="datetime1">
               <a:rPr lang="en-US" smtClean="0"/>
-              <a:t>2/14/2022</a:t>
+              <a:t>2/16/2022</a:t>
             </a:fld>
             <a:endParaRPr lang="en-US"/>
           </a:p>
@@ -2274,7 +2288,7 @@
           <a:p>
             <a:fld id="{0D3616D0-8311-4107-9726-6B805E7D05BA}" type="datetime1">
               <a:rPr lang="en-US" smtClean="0"/>
-              <a:t>2/14/2022</a:t>
+              <a:t>2/16/2022</a:t>
             </a:fld>
             <a:endParaRPr lang="en-US"/>
           </a:p>
@@ -2482,7 +2496,7 @@
           <a:p>
             <a:fld id="{3BC2557A-5C88-417A-A763-5AC779462A5F}" type="datetime1">
               <a:rPr lang="en-US" smtClean="0"/>
-              <a:t>2/14/2022</a:t>
+              <a:t>2/16/2022</a:t>
             </a:fld>
             <a:endParaRPr lang="en-US"/>
           </a:p>
@@ -3012,7 +3026,7 @@
           <a:p>
             <a:fld id="{07C7BFD4-467E-4EDE-93EA-052F5B39A4E5}" type="datetime1">
               <a:rPr lang="en-US" smtClean="0"/>
-              <a:t>2/14/2022</a:t>
+              <a:t>2/16/2022</a:t>
             </a:fld>
             <a:endParaRPr lang="en-US"/>
           </a:p>
@@ -3326,7 +3340,7 @@
           <a:p>
             <a:fld id="{A533CBE2-D5BE-47AC-ADC2-9CDFC1D0CF90}" type="datetime1">
               <a:rPr lang="en-US" smtClean="0"/>
-              <a:t>2/14/2022</a:t>
+              <a:t>2/16/2022</a:t>
             </a:fld>
             <a:endParaRPr lang="en-US"/>
           </a:p>
@@ -3629,7 +3643,7 @@
           <a:p>
             <a:fld id="{39B7EDB1-CE74-4951-85A2-0B01C2128E28}" type="datetime1">
               <a:rPr lang="en-US" smtClean="0"/>
-              <a:t>2/14/2022</a:t>
+              <a:t>2/16/2022</a:t>
             </a:fld>
             <a:endParaRPr lang="en-US"/>
           </a:p>
@@ -4078,7 +4092,7 @@
           <a:p>
             <a:fld id="{2BC7EB92-A5C2-4807-A9DC-9EDE6CBFB241}" type="datetime1">
               <a:rPr lang="en-US" smtClean="0"/>
-              <a:t>2/14/2022</a:t>
+              <a:t>2/16/2022</a:t>
             </a:fld>
             <a:endParaRPr lang="en-US"/>
           </a:p>
@@ -4225,7 +4239,7 @@
           <a:p>
             <a:fld id="{109E55A0-C911-4F03-82FC-7E5926047D46}" type="datetime1">
               <a:rPr lang="en-US" smtClean="0"/>
-              <a:t>2/14/2022</a:t>
+              <a:t>2/16/2022</a:t>
             </a:fld>
             <a:endParaRPr lang="en-US"/>
           </a:p>
@@ -4374,7 +4388,7 @@
           <a:p>
             <a:fld id="{2B7B7EE0-7771-4CD5-9B2B-3550753A54A1}" type="datetime1">
               <a:rPr lang="en-US" smtClean="0"/>
-              <a:t>2/14/2022</a:t>
+              <a:t>2/16/2022</a:t>
             </a:fld>
             <a:endParaRPr lang="en-US"/>
           </a:p>
@@ -4685,7 +4699,7 @@
           <a:p>
             <a:fld id="{F8B318B3-0E87-4416-A9B8-D891968C2727}" type="datetime1">
               <a:rPr lang="en-US" smtClean="0"/>
-              <a:t>2/14/2022</a:t>
+              <a:t>2/16/2022</a:t>
             </a:fld>
             <a:endParaRPr lang="en-US"/>
           </a:p>
@@ -4976,7 +4990,7 @@
           <a:p>
             <a:fld id="{EA476A42-A091-4468-A075-64A31BE59948}" type="datetime1">
               <a:rPr lang="en-US" smtClean="0"/>
-              <a:t>2/14/2022</a:t>
+              <a:t>2/16/2022</a:t>
             </a:fld>
             <a:endParaRPr lang="en-US"/>
           </a:p>
@@ -5219,7 +5233,7 @@
           <a:p>
             <a:fld id="{54D997E8-DDEE-43F1-8D9B-F8A1E11DE488}" type="datetime1">
               <a:rPr lang="en-US" smtClean="0"/>
-              <a:t>2/14/2022</a:t>
+              <a:t>2/16/2022</a:t>
             </a:fld>
             <a:endParaRPr lang="en-US"/>
           </a:p>

--- a/Slides/Lesson 5.1 Introduction to Testing.pptx
+++ b/Slides/Lesson 5.1 Introduction to Testing.pptx
@@ -211,7 +211,7 @@
           <a:p>
             <a:fld id="{7C7E5181-6CF5-45F7-A87A-E0E0B1FD7549}" type="datetimeFigureOut">
               <a:rPr lang="en-US" smtClean="0"/>
-              <a:t>2/16/2022</a:t>
+              <a:t>2/17/2022</a:t>
             </a:fld>
             <a:endParaRPr lang="en-US"/>
           </a:p>
@@ -2054,7 +2054,7 @@
           <a:p>
             <a:fld id="{5D2A64DE-480B-420F-9649-4F8E696E08E0}" type="datetime1">
               <a:rPr lang="en-US" smtClean="0"/>
-              <a:t>2/16/2022</a:t>
+              <a:t>2/17/2022</a:t>
             </a:fld>
             <a:endParaRPr lang="en-US"/>
           </a:p>
@@ -2288,7 +2288,7 @@
           <a:p>
             <a:fld id="{0D3616D0-8311-4107-9726-6B805E7D05BA}" type="datetime1">
               <a:rPr lang="en-US" smtClean="0"/>
-              <a:t>2/16/2022</a:t>
+              <a:t>2/17/2022</a:t>
             </a:fld>
             <a:endParaRPr lang="en-US"/>
           </a:p>
@@ -2496,7 +2496,7 @@
           <a:p>
             <a:fld id="{3BC2557A-5C88-417A-A763-5AC779462A5F}" type="datetime1">
               <a:rPr lang="en-US" smtClean="0"/>
-              <a:t>2/16/2022</a:t>
+              <a:t>2/17/2022</a:t>
             </a:fld>
             <a:endParaRPr lang="en-US"/>
           </a:p>
@@ -3026,7 +3026,7 @@
           <a:p>
             <a:fld id="{07C7BFD4-467E-4EDE-93EA-052F5B39A4E5}" type="datetime1">
               <a:rPr lang="en-US" smtClean="0"/>
-              <a:t>2/16/2022</a:t>
+              <a:t>2/17/2022</a:t>
             </a:fld>
             <a:endParaRPr lang="en-US"/>
           </a:p>
@@ -3340,7 +3340,7 @@
           <a:p>
             <a:fld id="{A533CBE2-D5BE-47AC-ADC2-9CDFC1D0CF90}" type="datetime1">
               <a:rPr lang="en-US" smtClean="0"/>
-              <a:t>2/16/2022</a:t>
+              <a:t>2/17/2022</a:t>
             </a:fld>
             <a:endParaRPr lang="en-US"/>
           </a:p>
@@ -3643,7 +3643,7 @@
           <a:p>
             <a:fld id="{39B7EDB1-CE74-4951-85A2-0B01C2128E28}" type="datetime1">
               <a:rPr lang="en-US" smtClean="0"/>
-              <a:t>2/16/2022</a:t>
+              <a:t>2/17/2022</a:t>
             </a:fld>
             <a:endParaRPr lang="en-US"/>
           </a:p>
@@ -4092,7 +4092,7 @@
           <a:p>
             <a:fld id="{2BC7EB92-A5C2-4807-A9DC-9EDE6CBFB241}" type="datetime1">
               <a:rPr lang="en-US" smtClean="0"/>
-              <a:t>2/16/2022</a:t>
+              <a:t>2/17/2022</a:t>
             </a:fld>
             <a:endParaRPr lang="en-US"/>
           </a:p>
@@ -4239,7 +4239,7 @@
           <a:p>
             <a:fld id="{109E55A0-C911-4F03-82FC-7E5926047D46}" type="datetime1">
               <a:rPr lang="en-US" smtClean="0"/>
-              <a:t>2/16/2022</a:t>
+              <a:t>2/17/2022</a:t>
             </a:fld>
             <a:endParaRPr lang="en-US"/>
           </a:p>
@@ -4388,7 +4388,7 @@
           <a:p>
             <a:fld id="{2B7B7EE0-7771-4CD5-9B2B-3550753A54A1}" type="datetime1">
               <a:rPr lang="en-US" smtClean="0"/>
-              <a:t>2/16/2022</a:t>
+              <a:t>2/17/2022</a:t>
             </a:fld>
             <a:endParaRPr lang="en-US"/>
           </a:p>
@@ -4699,7 +4699,7 @@
           <a:p>
             <a:fld id="{F8B318B3-0E87-4416-A9B8-D891968C2727}" type="datetime1">
               <a:rPr lang="en-US" smtClean="0"/>
-              <a:t>2/16/2022</a:t>
+              <a:t>2/17/2022</a:t>
             </a:fld>
             <a:endParaRPr lang="en-US"/>
           </a:p>
@@ -4990,7 +4990,7 @@
           <a:p>
             <a:fld id="{EA476A42-A091-4468-A075-64A31BE59948}" type="datetime1">
               <a:rPr lang="en-US" smtClean="0"/>
-              <a:t>2/16/2022</a:t>
+              <a:t>2/17/2022</a:t>
             </a:fld>
             <a:endParaRPr lang="en-US"/>
           </a:p>
@@ -5233,7 +5233,7 @@
           <a:p>
             <a:fld id="{54D997E8-DDEE-43F1-8D9B-F8A1E11DE488}" type="datetime1">
               <a:rPr lang="en-US" smtClean="0"/>
-              <a:t>2/16/2022</a:t>
+              <a:t>2/17/2022</a:t>
             </a:fld>
             <a:endParaRPr lang="en-US"/>
           </a:p>
@@ -6149,7 +6149,7 @@
           </a:ln>
           <a:extLst>
             <a:ext uri="{C572A759-6A51-4108-AA02-DFA0A04FC94B}">
-              <ma14:wrappingTextBoxFlag xmlns="" xmlns:m="http://schemas.openxmlformats.org/officeDocument/2006/math" xmlns:a14="http://schemas.microsoft.com/office/drawing/2010/main" xmlns:ma14="http://schemas.microsoft.com/office/mac/drawingml/2011/main" val="1"/>
+              <ma14:wrappingTextBoxFlag xmlns:ma14="http://schemas.microsoft.com/office/mac/drawingml/2011/main" xmlns:a14="http://schemas.microsoft.com/office/drawing/2010/main" xmlns:m="http://schemas.openxmlformats.org/officeDocument/2006/math" xmlns="" val="1"/>
             </a:ext>
           </a:extLst>
         </p:spPr>
@@ -6256,7 +6256,7 @@
             <a:effectLst/>
             <a:extLst>
               <a:ext uri="{C572A759-6A51-4108-AA02-DFA0A04FC94B}">
-                <ma14:wrappingTextBoxFlag xmlns="" xmlns:m="http://schemas.openxmlformats.org/officeDocument/2006/math" xmlns:a14="http://schemas.microsoft.com/office/drawing/2010/main" xmlns:ma14="http://schemas.microsoft.com/office/mac/drawingml/2011/main" val="1"/>
+                <ma14:wrappingTextBoxFlag xmlns:ma14="http://schemas.microsoft.com/office/mac/drawingml/2011/main" xmlns:a14="http://schemas.microsoft.com/office/drawing/2010/main" xmlns:m="http://schemas.openxmlformats.org/officeDocument/2006/math" xmlns="" val="1"/>
               </a:ext>
             </a:extLst>
           </p:spPr>
@@ -6415,7 +6415,7 @@
             </a:effectLst>
             <a:extLst>
               <a:ext uri="{C572A759-6A51-4108-AA02-DFA0A04FC94B}">
-                <ma14:wrappingTextBoxFlag xmlns="" xmlns:m="http://schemas.openxmlformats.org/officeDocument/2006/math" xmlns:a14="http://schemas.microsoft.com/office/drawing/2010/main" xmlns:ma14="http://schemas.microsoft.com/office/mac/drawingml/2011/main" val="1"/>
+                <ma14:wrappingTextBoxFlag xmlns:ma14="http://schemas.microsoft.com/office/mac/drawingml/2011/main" xmlns:a14="http://schemas.microsoft.com/office/drawing/2010/main" xmlns:m="http://schemas.openxmlformats.org/officeDocument/2006/math" xmlns="" val="1"/>
               </a:ext>
             </a:extLst>
           </p:spPr>
@@ -6560,7 +6560,7 @@
           </a:ln>
           <a:extLst>
             <a:ext uri="{C572A759-6A51-4108-AA02-DFA0A04FC94B}">
-              <ma14:wrappingTextBoxFlag xmlns="" xmlns:m="http://schemas.openxmlformats.org/officeDocument/2006/math" xmlns:a14="http://schemas.microsoft.com/office/drawing/2010/main" xmlns:ma14="http://schemas.microsoft.com/office/mac/drawingml/2011/main" val="1"/>
+              <ma14:wrappingTextBoxFlag xmlns:ma14="http://schemas.microsoft.com/office/mac/drawingml/2011/main" xmlns:a14="http://schemas.microsoft.com/office/drawing/2010/main" xmlns:m="http://schemas.openxmlformats.org/officeDocument/2006/math" xmlns="" val="1"/>
             </a:ext>
           </a:extLst>
         </p:spPr>
@@ -6610,7 +6610,7 @@
           </a:ln>
           <a:extLst>
             <a:ext uri="{C572A759-6A51-4108-AA02-DFA0A04FC94B}">
-              <ma14:wrappingTextBoxFlag xmlns="" xmlns:m="http://schemas.openxmlformats.org/officeDocument/2006/math" xmlns:a14="http://schemas.microsoft.com/office/drawing/2010/main" xmlns:ma14="http://schemas.microsoft.com/office/mac/drawingml/2011/main" val="1"/>
+              <ma14:wrappingTextBoxFlag xmlns:ma14="http://schemas.microsoft.com/office/mac/drawingml/2011/main" xmlns:a14="http://schemas.microsoft.com/office/drawing/2010/main" xmlns:m="http://schemas.openxmlformats.org/officeDocument/2006/math" xmlns="" val="1"/>
             </a:ext>
           </a:extLst>
         </p:spPr>
@@ -6717,7 +6717,7 @@
             <a:effectLst/>
             <a:extLst>
               <a:ext uri="{C572A759-6A51-4108-AA02-DFA0A04FC94B}">
-                <ma14:wrappingTextBoxFlag xmlns="" xmlns:m="http://schemas.openxmlformats.org/officeDocument/2006/math" xmlns:a14="http://schemas.microsoft.com/office/drawing/2010/main" xmlns:ma14="http://schemas.microsoft.com/office/mac/drawingml/2011/main" val="1"/>
+                <ma14:wrappingTextBoxFlag xmlns:ma14="http://schemas.microsoft.com/office/mac/drawingml/2011/main" xmlns:a14="http://schemas.microsoft.com/office/drawing/2010/main" xmlns:m="http://schemas.openxmlformats.org/officeDocument/2006/math" xmlns="" val="1"/>
               </a:ext>
             </a:extLst>
           </p:spPr>
@@ -6860,7 +6860,7 @@
             <a:effectLst/>
             <a:extLst>
               <a:ext uri="{C572A759-6A51-4108-AA02-DFA0A04FC94B}">
-                <ma14:wrappingTextBoxFlag xmlns="" xmlns:m="http://schemas.openxmlformats.org/officeDocument/2006/math" xmlns:a14="http://schemas.microsoft.com/office/drawing/2010/main" xmlns:ma14="http://schemas.microsoft.com/office/mac/drawingml/2011/main" val="1"/>
+                <ma14:wrappingTextBoxFlag xmlns:ma14="http://schemas.microsoft.com/office/mac/drawingml/2011/main" xmlns:a14="http://schemas.microsoft.com/office/drawing/2010/main" xmlns:m="http://schemas.openxmlformats.org/officeDocument/2006/math" xmlns="" val="1"/>
               </a:ext>
             </a:extLst>
           </p:spPr>
@@ -8069,7 +8069,7 @@
           </a:effectLst>
           <a:extLst>
             <a:ext uri="{C572A759-6A51-4108-AA02-DFA0A04FC94B}">
-              <ma14:wrappingTextBoxFlag xmlns:ma14="http://schemas.microsoft.com/office/mac/drawingml/2011/main" xmlns:a14="http://schemas.microsoft.com/office/drawing/2010/main" xmlns:m="http://schemas.openxmlformats.org/officeDocument/2006/math" xmlns="" val="1"/>
+              <ma14:wrappingTextBoxFlag xmlns="" xmlns:m="http://schemas.openxmlformats.org/officeDocument/2006/math" xmlns:a14="http://schemas.microsoft.com/office/drawing/2010/main" xmlns:ma14="http://schemas.microsoft.com/office/mac/drawingml/2011/main" val="1"/>
             </a:ext>
           </a:extLst>
         </p:spPr>
@@ -9276,60 +9276,161 @@
               <a:pPr/>
               <a:t>4</a:t>
             </a:fld>
-            <a:endParaRPr lang="en-US"/>
-          </a:p>
-        </p:txBody>
-      </p:sp>
-      <p:sp>
-        <p:nvSpPr>
-          <p:cNvPr id="2" name="Oval 1">
-            <a:extLst>
-              <a:ext uri="{FF2B5EF4-FFF2-40B4-BE49-F238E27FC236}">
-                <a16:creationId xmlns:a16="http://schemas.microsoft.com/office/drawing/2014/main" id="{6D824D5A-E3F6-2245-8BBF-DDFF377215F1}"/>
-              </a:ext>
-            </a:extLst>
-          </p:cNvPr>
-          <p:cNvSpPr/>
+            <a:endParaRPr lang="en-US" dirty="0"/>
+          </a:p>
+        </p:txBody>
+      </p:sp>
+      <p:grpSp>
+        <p:nvGrpSpPr>
+          <p:cNvPr id="4" name="Group 3">
+            <a:extLst>
+              <a:ext uri="{FF2B5EF4-FFF2-40B4-BE49-F238E27FC236}">
+                <a16:creationId xmlns:a16="http://schemas.microsoft.com/office/drawing/2014/main" id="{403085E8-7E26-41BE-94A9-5DBD618809A8}"/>
+              </a:ext>
+            </a:extLst>
+          </p:cNvPr>
+          <p:cNvGrpSpPr/>
           <p:nvPr/>
-        </p:nvSpPr>
-        <p:spPr>
+        </p:nvGrpSpPr>
+        <p:grpSpPr>
           <a:xfrm>
-            <a:off x="5052508" y="2921374"/>
-            <a:ext cx="3429000" cy="3434976"/>
+            <a:off x="2974871" y="2921374"/>
+            <a:ext cx="8306530" cy="3693768"/>
+            <a:chOff x="2974871" y="2921374"/>
+            <a:chExt cx="8306530" cy="3693768"/>
           </a:xfrm>
-          <a:prstGeom prst="ellipse">
-            <a:avLst/>
-          </a:prstGeom>
-          <a:solidFill>
-            <a:schemeClr val="accent1">
-              <a:lumMod val="40000"/>
-              <a:lumOff val="60000"/>
-            </a:schemeClr>
-          </a:solidFill>
-        </p:spPr>
-        <p:style>
-          <a:lnRef idx="2">
-            <a:schemeClr val="accent1">
-              <a:shade val="50000"/>
-            </a:schemeClr>
-          </a:lnRef>
-          <a:fillRef idx="1">
-            <a:schemeClr val="accent1"/>
-          </a:fillRef>
-          <a:effectRef idx="0">
-            <a:schemeClr val="accent1"/>
-          </a:effectRef>
-          <a:fontRef idx="minor">
-            <a:schemeClr val="lt1"/>
-          </a:fontRef>
-        </p:style>
-        <p:txBody>
-          <a:bodyPr rtlCol="0" anchor="ctr"/>
-          <a:lstStyle/>
-          <a:p>
-            <a:pPr algn="ctr"/>
-            <a:r>
-              <a:rPr lang="en-US" sz="3600" dirty="0">
+        </p:grpSpPr>
+        <p:sp>
+          <p:nvSpPr>
+            <p:cNvPr id="2" name="Oval 1">
+              <a:extLst>
+                <a:ext uri="{FF2B5EF4-FFF2-40B4-BE49-F238E27FC236}">
+                  <a16:creationId xmlns:a16="http://schemas.microsoft.com/office/drawing/2014/main" id="{6D824D5A-E3F6-2245-8BBF-DDFF377215F1}"/>
+                </a:ext>
+              </a:extLst>
+            </p:cNvPr>
+            <p:cNvSpPr/>
+            <p:nvPr/>
+          </p:nvSpPr>
+          <p:spPr>
+            <a:xfrm>
+              <a:off x="5052508" y="2921374"/>
+              <a:ext cx="3429000" cy="3434976"/>
+            </a:xfrm>
+            <a:prstGeom prst="ellipse">
+              <a:avLst/>
+            </a:prstGeom>
+            <a:solidFill>
+              <a:schemeClr val="accent1">
+                <a:lumMod val="40000"/>
+                <a:lumOff val="60000"/>
+              </a:schemeClr>
+            </a:solidFill>
+          </p:spPr>
+          <p:style>
+            <a:lnRef idx="2">
+              <a:schemeClr val="accent1">
+                <a:shade val="50000"/>
+              </a:schemeClr>
+            </a:lnRef>
+            <a:fillRef idx="1">
+              <a:schemeClr val="accent1"/>
+            </a:fillRef>
+            <a:effectRef idx="0">
+              <a:schemeClr val="accent1"/>
+            </a:effectRef>
+            <a:fontRef idx="minor">
+              <a:schemeClr val="lt1"/>
+            </a:fontRef>
+          </p:style>
+          <p:txBody>
+            <a:bodyPr rtlCol="0" anchor="ctr"/>
+            <a:lstStyle/>
+            <a:p>
+              <a:pPr algn="ctr"/>
+              <a:r>
+                <a:rPr lang="en-US" sz="3600" dirty="0">
+                  <a:ln w="0"/>
+                  <a:solidFill>
+                    <a:schemeClr val="tx1"/>
+                  </a:solidFill>
+                  <a:effectLst>
+                    <a:outerShdw blurRad="38100" dist="19050" dir="2700000" algn="tl" rotWithShape="0">
+                      <a:schemeClr val="dk1">
+                        <a:alpha val="40000"/>
+                      </a:schemeClr>
+                    </a:outerShdw>
+                  </a:effectLst>
+                </a:rPr>
+                <a:t>System</a:t>
+              </a:r>
+            </a:p>
+          </p:txBody>
+        </p:sp>
+        <p:sp>
+          <p:nvSpPr>
+            <p:cNvPr id="3" name="Can 2">
+              <a:extLst>
+                <a:ext uri="{FF2B5EF4-FFF2-40B4-BE49-F238E27FC236}">
+                  <a16:creationId xmlns:a16="http://schemas.microsoft.com/office/drawing/2014/main" id="{E3179148-F0FA-1A43-B490-84D3DB3194BD}"/>
+                </a:ext>
+              </a:extLst>
+            </p:cNvPr>
+            <p:cNvSpPr/>
+            <p:nvPr/>
+          </p:nvSpPr>
+          <p:spPr>
+            <a:xfrm>
+              <a:off x="6309808" y="3180394"/>
+              <a:ext cx="914400" cy="1216152"/>
+            </a:xfrm>
+            <a:prstGeom prst="can">
+              <a:avLst/>
+            </a:prstGeom>
+          </p:spPr>
+          <p:style>
+            <a:lnRef idx="2">
+              <a:schemeClr val="accent1">
+                <a:shade val="50000"/>
+              </a:schemeClr>
+            </a:lnRef>
+            <a:fillRef idx="1">
+              <a:schemeClr val="accent1"/>
+            </a:fillRef>
+            <a:effectRef idx="0">
+              <a:schemeClr val="accent1"/>
+            </a:effectRef>
+            <a:fontRef idx="minor">
+              <a:schemeClr val="lt1"/>
+            </a:fontRef>
+          </p:style>
+          <p:txBody>
+            <a:bodyPr rtlCol="0" anchor="ctr"/>
+            <a:lstStyle/>
+            <a:p>
+              <a:pPr algn="ctr"/>
+              <a:r>
+                <a:rPr lang="en-US" sz="2400" b="1" dirty="0">
+                  <a:ln w="10160">
+                    <a:solidFill>
+                      <a:schemeClr val="accent5"/>
+                    </a:solidFill>
+                    <a:prstDash val="solid"/>
+                  </a:ln>
+                  <a:solidFill>
+                    <a:srgbClr val="FFFFFF"/>
+                  </a:solidFill>
+                  <a:effectLst>
+                    <a:outerShdw blurRad="38100" dist="22860" dir="5400000" algn="tl" rotWithShape="0">
+                      <a:srgbClr val="000000">
+                        <a:alpha val="30000"/>
+                      </a:srgbClr>
+                    </a:outerShdw>
+                  </a:effectLst>
+                </a:rPr>
+                <a:t>State</a:t>
+              </a:r>
+              <a:endParaRPr lang="en-US" sz="2400" dirty="0">
                 <a:ln w="0"/>
                 <a:solidFill>
                   <a:schemeClr val="tx1"/>
@@ -9341,198 +9442,16 @@
                     </a:schemeClr>
                   </a:outerShdw>
                 </a:effectLst>
-              </a:rPr>
-              <a:t>System</a:t>
-            </a:r>
-          </a:p>
-        </p:txBody>
-      </p:sp>
-      <p:sp>
-        <p:nvSpPr>
-          <p:cNvPr id="3" name="Can 2">
-            <a:extLst>
-              <a:ext uri="{FF2B5EF4-FFF2-40B4-BE49-F238E27FC236}">
-                <a16:creationId xmlns:a16="http://schemas.microsoft.com/office/drawing/2014/main" id="{E3179148-F0FA-1A43-B490-84D3DB3194BD}"/>
-              </a:ext>
-            </a:extLst>
-          </p:cNvPr>
-          <p:cNvSpPr/>
-          <p:nvPr/>
-        </p:nvSpPr>
-        <p:spPr>
-          <a:xfrm>
-            <a:off x="6309808" y="3180394"/>
-            <a:ext cx="914400" cy="1216152"/>
-          </a:xfrm>
-          <a:prstGeom prst="can">
-            <a:avLst/>
-          </a:prstGeom>
-        </p:spPr>
-        <p:style>
-          <a:lnRef idx="2">
-            <a:schemeClr val="accent1">
-              <a:shade val="50000"/>
-            </a:schemeClr>
-          </a:lnRef>
-          <a:fillRef idx="1">
-            <a:schemeClr val="accent1"/>
-          </a:fillRef>
-          <a:effectRef idx="0">
-            <a:schemeClr val="accent1"/>
-          </a:effectRef>
-          <a:fontRef idx="minor">
-            <a:schemeClr val="lt1"/>
-          </a:fontRef>
-        </p:style>
-        <p:txBody>
-          <a:bodyPr rtlCol="0" anchor="ctr"/>
-          <a:lstStyle/>
-          <a:p>
-            <a:pPr algn="ctr"/>
-            <a:r>
-              <a:rPr lang="en-US" sz="2400" b="1" dirty="0">
-                <a:ln w="10160">
-                  <a:solidFill>
-                    <a:schemeClr val="accent5"/>
-                  </a:solidFill>
-                  <a:prstDash val="solid"/>
-                </a:ln>
-                <a:solidFill>
-                  <a:srgbClr val="FFFFFF"/>
-                </a:solidFill>
-                <a:effectLst>
-                  <a:outerShdw blurRad="38100" dist="22860" dir="5400000" algn="tl" rotWithShape="0">
-                    <a:srgbClr val="000000">
-                      <a:alpha val="30000"/>
-                    </a:srgbClr>
-                  </a:outerShdw>
-                </a:effectLst>
-              </a:rPr>
-              <a:t>State</a:t>
-            </a:r>
-            <a:endParaRPr lang="en-US" sz="2400" dirty="0">
-              <a:ln w="0"/>
-              <a:solidFill>
-                <a:schemeClr val="tx1"/>
-              </a:solidFill>
-              <a:effectLst>
-                <a:outerShdw blurRad="38100" dist="19050" dir="2700000" algn="tl" rotWithShape="0">
-                  <a:schemeClr val="dk1">
-                    <a:alpha val="40000"/>
-                  </a:schemeClr>
-                </a:outerShdw>
-              </a:effectLst>
-            </a:endParaRPr>
-          </a:p>
-        </p:txBody>
-      </p:sp>
-      <p:sp>
-        <p:nvSpPr>
-          <p:cNvPr id="5" name="Right Arrow 4">
-            <a:extLst>
-              <a:ext uri="{FF2B5EF4-FFF2-40B4-BE49-F238E27FC236}">
-                <a16:creationId xmlns:a16="http://schemas.microsoft.com/office/drawing/2014/main" id="{A2C44303-3E61-D14A-9FD7-541F8C6A5A62}"/>
-              </a:ext>
-            </a:extLst>
-          </p:cNvPr>
-          <p:cNvSpPr/>
-          <p:nvPr/>
-        </p:nvSpPr>
-        <p:spPr>
-          <a:xfrm>
-            <a:off x="4074100" y="4396546"/>
-            <a:ext cx="978408" cy="484632"/>
-          </a:xfrm>
-          <a:prstGeom prst="rightArrow">
-            <a:avLst/>
-          </a:prstGeom>
-        </p:spPr>
-        <p:style>
-          <a:lnRef idx="2">
-            <a:schemeClr val="accent1">
-              <a:shade val="50000"/>
-            </a:schemeClr>
-          </a:lnRef>
-          <a:fillRef idx="1">
-            <a:schemeClr val="accent1"/>
-          </a:fillRef>
-          <a:effectRef idx="0">
-            <a:schemeClr val="accent1"/>
-          </a:effectRef>
-          <a:fontRef idx="minor">
-            <a:schemeClr val="lt1"/>
-          </a:fontRef>
-        </p:style>
-        <p:txBody>
-          <a:bodyPr rtlCol="0" anchor="ctr"/>
-          <a:lstStyle/>
-          <a:p>
-            <a:pPr algn="ctr"/>
-            <a:endParaRPr lang="en-US"/>
-          </a:p>
-        </p:txBody>
-      </p:sp>
-      <p:sp>
-        <p:nvSpPr>
-          <p:cNvPr id="6" name="TextBox 5">
-            <a:extLst>
-              <a:ext uri="{FF2B5EF4-FFF2-40B4-BE49-F238E27FC236}">
-                <a16:creationId xmlns:a16="http://schemas.microsoft.com/office/drawing/2014/main" id="{B02C03F8-AC66-8546-A4C7-069522322779}"/>
-              </a:ext>
-            </a:extLst>
-          </p:cNvPr>
-          <p:cNvSpPr txBox="1"/>
-          <p:nvPr/>
-        </p:nvSpPr>
-        <p:spPr>
-          <a:xfrm>
-            <a:off x="2974871" y="4396546"/>
-            <a:ext cx="970137" cy="461665"/>
-          </a:xfrm>
-          <a:prstGeom prst="rect">
-            <a:avLst/>
-          </a:prstGeom>
-          <a:noFill/>
-        </p:spPr>
-        <p:txBody>
-          <a:bodyPr wrap="none" rtlCol="0">
-            <a:spAutoFit/>
-          </a:bodyPr>
-          <a:lstStyle/>
-          <a:p>
-            <a:r>
-              <a:rPr lang="en-US" sz="2400" dirty="0"/>
-              <a:t>Inputs</a:t>
-            </a:r>
-          </a:p>
-        </p:txBody>
-      </p:sp>
-      <p:grpSp>
-        <p:nvGrpSpPr>
-          <p:cNvPr id="21" name="Group 20">
-            <a:extLst>
-              <a:ext uri="{FF2B5EF4-FFF2-40B4-BE49-F238E27FC236}">
-                <a16:creationId xmlns:a16="http://schemas.microsoft.com/office/drawing/2014/main" id="{C47EFA16-9AE9-8944-A895-39FB7153F255}"/>
-              </a:ext>
-            </a:extLst>
-          </p:cNvPr>
-          <p:cNvGrpSpPr/>
-          <p:nvPr/>
-        </p:nvGrpSpPr>
-        <p:grpSpPr>
-          <a:xfrm>
-            <a:off x="8481508" y="4396546"/>
-            <a:ext cx="2326919" cy="484632"/>
-            <a:chOff x="8481508" y="4396546"/>
-            <a:chExt cx="2326919" cy="484632"/>
-          </a:xfrm>
-        </p:grpSpPr>
+              </a:endParaRPr>
+            </a:p>
+          </p:txBody>
+        </p:sp>
         <p:sp>
           <p:nvSpPr>
-            <p:cNvPr id="9" name="Right Arrow 8">
+            <p:cNvPr id="5" name="Right Arrow 4">
               <a:extLst>
                 <a:ext uri="{FF2B5EF4-FFF2-40B4-BE49-F238E27FC236}">
-                  <a16:creationId xmlns:a16="http://schemas.microsoft.com/office/drawing/2014/main" id="{6C8F30FC-F88E-A64D-B87E-E581D964E54F}"/>
+                  <a16:creationId xmlns:a16="http://schemas.microsoft.com/office/drawing/2014/main" id="{A2C44303-3E61-D14A-9FD7-541F8C6A5A62}"/>
                 </a:ext>
               </a:extLst>
             </p:cNvPr>
@@ -9541,7 +9460,7 @@
           </p:nvSpPr>
           <p:spPr>
             <a:xfrm>
-              <a:off x="8481508" y="4396546"/>
+              <a:off x="4074100" y="4396546"/>
               <a:ext cx="978408" cy="484632"/>
             </a:xfrm>
             <a:prstGeom prst="rightArrow">
@@ -9575,10 +9494,10 @@
         </p:sp>
         <p:sp>
           <p:nvSpPr>
-            <p:cNvPr id="7" name="TextBox 6">
+            <p:cNvPr id="6" name="TextBox 5">
               <a:extLst>
                 <a:ext uri="{FF2B5EF4-FFF2-40B4-BE49-F238E27FC236}">
-                  <a16:creationId xmlns:a16="http://schemas.microsoft.com/office/drawing/2014/main" id="{E61EBE63-4AA2-F844-8B74-6934BB1DF63F}"/>
+                  <a16:creationId xmlns:a16="http://schemas.microsoft.com/office/drawing/2014/main" id="{B02C03F8-AC66-8546-A4C7-069522322779}"/>
                 </a:ext>
               </a:extLst>
             </p:cNvPr>
@@ -9587,8 +9506,8 @@
           </p:nvSpPr>
           <p:spPr>
             <a:xfrm>
-              <a:off x="9609060" y="4408029"/>
-              <a:ext cx="1199367" cy="461665"/>
+              <a:off x="2974871" y="4396546"/>
+              <a:ext cx="970137" cy="461665"/>
             </a:xfrm>
             <a:prstGeom prst="rect">
               <a:avLst/>
@@ -9603,384 +9522,321 @@
             <a:p>
               <a:r>
                 <a:rPr lang="en-US" sz="2400" dirty="0"/>
-                <a:t>Outputs</a:t>
+                <a:t>Inputs</a:t>
               </a:r>
             </a:p>
           </p:txBody>
         </p:sp>
-      </p:grpSp>
-      <p:grpSp>
-        <p:nvGrpSpPr>
-          <p:cNvPr id="23" name="Group 22">
-            <a:extLst>
-              <a:ext uri="{FF2B5EF4-FFF2-40B4-BE49-F238E27FC236}">
-                <a16:creationId xmlns:a16="http://schemas.microsoft.com/office/drawing/2014/main" id="{017752FD-8FA0-2846-B716-F8F7A933AA83}"/>
-              </a:ext>
-            </a:extLst>
-          </p:cNvPr>
-          <p:cNvGrpSpPr/>
-          <p:nvPr/>
-        </p:nvGrpSpPr>
-        <p:grpSpPr>
-          <a:xfrm>
-            <a:off x="7940238" y="5469910"/>
-            <a:ext cx="2163981" cy="1145232"/>
-            <a:chOff x="7940238" y="5469910"/>
-            <a:chExt cx="2163981" cy="1145232"/>
-          </a:xfrm>
-        </p:grpSpPr>
-        <p:sp>
-          <p:nvSpPr>
-            <p:cNvPr id="8" name="Lightning Bolt 7">
+        <p:grpSp>
+          <p:nvGrpSpPr>
+            <p:cNvPr id="21" name="Group 20">
               <a:extLst>
                 <a:ext uri="{FF2B5EF4-FFF2-40B4-BE49-F238E27FC236}">
-                  <a16:creationId xmlns:a16="http://schemas.microsoft.com/office/drawing/2014/main" id="{88A08C4A-ABC5-F942-B055-CF82D8E18580}"/>
+                  <a16:creationId xmlns:a16="http://schemas.microsoft.com/office/drawing/2014/main" id="{C47EFA16-9AE9-8944-A895-39FB7153F255}"/>
                 </a:ext>
               </a:extLst>
             </p:cNvPr>
-            <p:cNvSpPr/>
+            <p:cNvGrpSpPr/>
             <p:nvPr/>
-          </p:nvSpPr>
-          <p:spPr>
+          </p:nvGrpSpPr>
+          <p:grpSpPr>
             <a:xfrm>
-              <a:off x="7940238" y="5469910"/>
-              <a:ext cx="914400" cy="914400"/>
+              <a:off x="8481508" y="4396546"/>
+              <a:ext cx="2326919" cy="484632"/>
+              <a:chOff x="8481508" y="4396546"/>
+              <a:chExt cx="2326919" cy="484632"/>
             </a:xfrm>
-            <a:prstGeom prst="lightningBolt">
-              <a:avLst/>
-            </a:prstGeom>
-          </p:spPr>
-          <p:style>
-            <a:lnRef idx="2">
-              <a:schemeClr val="accent1">
-                <a:shade val="50000"/>
-              </a:schemeClr>
-            </a:lnRef>
-            <a:fillRef idx="1">
-              <a:schemeClr val="accent1"/>
-            </a:fillRef>
-            <a:effectRef idx="0">
-              <a:schemeClr val="accent1"/>
-            </a:effectRef>
-            <a:fontRef idx="minor">
-              <a:schemeClr val="lt1"/>
-            </a:fontRef>
-          </p:style>
-          <p:txBody>
-            <a:bodyPr rtlCol="0" anchor="ctr"/>
-            <a:lstStyle/>
-            <a:p>
-              <a:pPr algn="ctr"/>
-              <a:endParaRPr lang="en-US"/>
-            </a:p>
-          </p:txBody>
-        </p:sp>
-        <p:sp>
-          <p:nvSpPr>
-            <p:cNvPr id="10" name="TextBox 9">
+          </p:grpSpPr>
+          <p:sp>
+            <p:nvSpPr>
+              <p:cNvPr id="9" name="Right Arrow 8">
+                <a:extLst>
+                  <a:ext uri="{FF2B5EF4-FFF2-40B4-BE49-F238E27FC236}">
+                    <a16:creationId xmlns:a16="http://schemas.microsoft.com/office/drawing/2014/main" id="{6C8F30FC-F88E-A64D-B87E-E581D964E54F}"/>
+                  </a:ext>
+                </a:extLst>
+              </p:cNvPr>
+              <p:cNvSpPr/>
+              <p:nvPr/>
+            </p:nvSpPr>
+            <p:spPr>
+              <a:xfrm>
+                <a:off x="8481508" y="4396546"/>
+                <a:ext cx="978408" cy="484632"/>
+              </a:xfrm>
+              <a:prstGeom prst="rightArrow">
+                <a:avLst/>
+              </a:prstGeom>
+            </p:spPr>
+            <p:style>
+              <a:lnRef idx="2">
+                <a:schemeClr val="accent1">
+                  <a:shade val="50000"/>
+                </a:schemeClr>
+              </a:lnRef>
+              <a:fillRef idx="1">
+                <a:schemeClr val="accent1"/>
+              </a:fillRef>
+              <a:effectRef idx="0">
+                <a:schemeClr val="accent1"/>
+              </a:effectRef>
+              <a:fontRef idx="minor">
+                <a:schemeClr val="lt1"/>
+              </a:fontRef>
+            </p:style>
+            <p:txBody>
+              <a:bodyPr rtlCol="0" anchor="ctr"/>
+              <a:lstStyle/>
+              <a:p>
+                <a:pPr algn="ctr"/>
+                <a:endParaRPr lang="en-US"/>
+              </a:p>
+            </p:txBody>
+          </p:sp>
+          <p:sp>
+            <p:nvSpPr>
+              <p:cNvPr id="7" name="TextBox 6">
+                <a:extLst>
+                  <a:ext uri="{FF2B5EF4-FFF2-40B4-BE49-F238E27FC236}">
+                    <a16:creationId xmlns:a16="http://schemas.microsoft.com/office/drawing/2014/main" id="{E61EBE63-4AA2-F844-8B74-6934BB1DF63F}"/>
+                  </a:ext>
+                </a:extLst>
+              </p:cNvPr>
+              <p:cNvSpPr txBox="1"/>
+              <p:nvPr/>
+            </p:nvSpPr>
+            <p:spPr>
+              <a:xfrm>
+                <a:off x="9609060" y="4408029"/>
+                <a:ext cx="1199367" cy="461665"/>
+              </a:xfrm>
+              <a:prstGeom prst="rect">
+                <a:avLst/>
+              </a:prstGeom>
+              <a:noFill/>
+            </p:spPr>
+            <p:txBody>
+              <a:bodyPr wrap="none" rtlCol="0">
+                <a:spAutoFit/>
+              </a:bodyPr>
+              <a:lstStyle/>
+              <a:p>
+                <a:r>
+                  <a:rPr lang="en-US" sz="2400" dirty="0"/>
+                  <a:t>Outputs</a:t>
+                </a:r>
+              </a:p>
+            </p:txBody>
+          </p:sp>
+        </p:grpSp>
+        <p:grpSp>
+          <p:nvGrpSpPr>
+            <p:cNvPr id="23" name="Group 22">
               <a:extLst>
                 <a:ext uri="{FF2B5EF4-FFF2-40B4-BE49-F238E27FC236}">
-                  <a16:creationId xmlns:a16="http://schemas.microsoft.com/office/drawing/2014/main" id="{16814CF9-7028-7E41-93C0-617A987B311B}"/>
+                  <a16:creationId xmlns:a16="http://schemas.microsoft.com/office/drawing/2014/main" id="{017752FD-8FA0-2846-B716-F8F7A933AA83}"/>
                 </a:ext>
               </a:extLst>
             </p:cNvPr>
-            <p:cNvSpPr txBox="1"/>
+            <p:cNvGrpSpPr/>
             <p:nvPr/>
-          </p:nvSpPr>
-          <p:spPr>
+          </p:nvGrpSpPr>
+          <p:grpSpPr>
             <a:xfrm>
-              <a:off x="8815405" y="6153477"/>
-              <a:ext cx="1288814" cy="461665"/>
+              <a:off x="7940238" y="5469910"/>
+              <a:ext cx="2163981" cy="1145232"/>
+              <a:chOff x="7940238" y="5469910"/>
+              <a:chExt cx="2163981" cy="1145232"/>
             </a:xfrm>
-            <a:prstGeom prst="rect">
-              <a:avLst/>
-            </a:prstGeom>
-            <a:noFill/>
-          </p:spPr>
-          <p:txBody>
-            <a:bodyPr wrap="none" rtlCol="0">
-              <a:spAutoFit/>
-            </a:bodyPr>
-            <a:lstStyle/>
-            <a:p>
-              <a:r>
-                <a:rPr lang="en-US" sz="2400" dirty="0"/>
-                <a:t>Behavior</a:t>
-              </a:r>
-            </a:p>
-          </p:txBody>
-        </p:sp>
-      </p:grpSp>
-      <p:grpSp>
-        <p:nvGrpSpPr>
-          <p:cNvPr id="22" name="Group 21">
-            <a:extLst>
-              <a:ext uri="{FF2B5EF4-FFF2-40B4-BE49-F238E27FC236}">
-                <a16:creationId xmlns:a16="http://schemas.microsoft.com/office/drawing/2014/main" id="{336A6B08-745C-6D4C-8B8C-2E2F16962E70}"/>
-              </a:ext>
-            </a:extLst>
-          </p:cNvPr>
-          <p:cNvGrpSpPr/>
-          <p:nvPr/>
-        </p:nvGrpSpPr>
-        <p:grpSpPr>
-          <a:xfrm>
-            <a:off x="7224208" y="3180394"/>
-            <a:ext cx="4057193" cy="799935"/>
-            <a:chOff x="7224208" y="3180394"/>
-            <a:chExt cx="4057193" cy="799935"/>
-          </a:xfrm>
-        </p:grpSpPr>
-        <p:cxnSp>
-          <p:nvCxnSpPr>
-            <p:cNvPr id="17" name="Curved Connector 16">
+          </p:grpSpPr>
+          <p:sp>
+            <p:nvSpPr>
+              <p:cNvPr id="8" name="Lightning Bolt 7">
+                <a:extLst>
+                  <a:ext uri="{FF2B5EF4-FFF2-40B4-BE49-F238E27FC236}">
+                    <a16:creationId xmlns:a16="http://schemas.microsoft.com/office/drawing/2014/main" id="{88A08C4A-ABC5-F942-B055-CF82D8E18580}"/>
+                  </a:ext>
+                </a:extLst>
+              </p:cNvPr>
+              <p:cNvSpPr/>
+              <p:nvPr/>
+            </p:nvSpPr>
+            <p:spPr>
+              <a:xfrm>
+                <a:off x="7940238" y="5469910"/>
+                <a:ext cx="914400" cy="914400"/>
+              </a:xfrm>
+              <a:prstGeom prst="lightningBolt">
+                <a:avLst/>
+              </a:prstGeom>
+            </p:spPr>
+            <p:style>
+              <a:lnRef idx="2">
+                <a:schemeClr val="accent1">
+                  <a:shade val="50000"/>
+                </a:schemeClr>
+              </a:lnRef>
+              <a:fillRef idx="1">
+                <a:schemeClr val="accent1"/>
+              </a:fillRef>
+              <a:effectRef idx="0">
+                <a:schemeClr val="accent1"/>
+              </a:effectRef>
+              <a:fontRef idx="minor">
+                <a:schemeClr val="lt1"/>
+              </a:fontRef>
+            </p:style>
+            <p:txBody>
+              <a:bodyPr rtlCol="0" anchor="ctr"/>
+              <a:lstStyle/>
+              <a:p>
+                <a:pPr algn="ctr"/>
+                <a:endParaRPr lang="en-US"/>
+              </a:p>
+            </p:txBody>
+          </p:sp>
+          <p:sp>
+            <p:nvSpPr>
+              <p:cNvPr id="10" name="TextBox 9">
+                <a:extLst>
+                  <a:ext uri="{FF2B5EF4-FFF2-40B4-BE49-F238E27FC236}">
+                    <a16:creationId xmlns:a16="http://schemas.microsoft.com/office/drawing/2014/main" id="{16814CF9-7028-7E41-93C0-617A987B311B}"/>
+                  </a:ext>
+                </a:extLst>
+              </p:cNvPr>
+              <p:cNvSpPr txBox="1"/>
+              <p:nvPr/>
+            </p:nvSpPr>
+            <p:spPr>
+              <a:xfrm>
+                <a:off x="8815405" y="6153477"/>
+                <a:ext cx="1288814" cy="461665"/>
+              </a:xfrm>
+              <a:prstGeom prst="rect">
+                <a:avLst/>
+              </a:prstGeom>
+              <a:noFill/>
+            </p:spPr>
+            <p:txBody>
+              <a:bodyPr wrap="none" rtlCol="0">
+                <a:spAutoFit/>
+              </a:bodyPr>
+              <a:lstStyle/>
+              <a:p>
+                <a:r>
+                  <a:rPr lang="en-US" sz="2400" dirty="0"/>
+                  <a:t>Behavior</a:t>
+                </a:r>
+              </a:p>
+            </p:txBody>
+          </p:sp>
+        </p:grpSp>
+        <p:grpSp>
+          <p:nvGrpSpPr>
+            <p:cNvPr id="22" name="Group 21">
               <a:extLst>
                 <a:ext uri="{FF2B5EF4-FFF2-40B4-BE49-F238E27FC236}">
-                  <a16:creationId xmlns:a16="http://schemas.microsoft.com/office/drawing/2014/main" id="{48B2FF2B-CDDA-B44E-B1AE-BA14F1219E45}"/>
+                  <a16:creationId xmlns:a16="http://schemas.microsoft.com/office/drawing/2014/main" id="{336A6B08-745C-6D4C-8B8C-2E2F16962E70}"/>
                 </a:ext>
               </a:extLst>
             </p:cNvPr>
-            <p:cNvCxnSpPr>
-              <a:stCxn id="2" idx="7"/>
-            </p:cNvCxnSpPr>
+            <p:cNvGrpSpPr/>
             <p:nvPr/>
-          </p:nvCxnSpPr>
-          <p:spPr>
-            <a:xfrm rot="16200000" flipH="1" flipV="1">
-              <a:off x="7323819" y="3324804"/>
-              <a:ext cx="555914" cy="755135"/>
+          </p:nvGrpSpPr>
+          <p:grpSpPr>
+            <a:xfrm>
+              <a:off x="7224208" y="3180394"/>
+              <a:ext cx="4057193" cy="799935"/>
+              <a:chOff x="7224208" y="3180394"/>
+              <a:chExt cx="4057193" cy="799935"/>
             </a:xfrm>
-            <a:prstGeom prst="curvedConnector4">
-              <a:avLst>
-                <a:gd name="adj1" fmla="val -69686"/>
-                <a:gd name="adj2" fmla="val -169428"/>
-              </a:avLst>
-            </a:prstGeom>
-            <a:ln w="38100">
-              <a:tailEnd type="triangle"/>
-            </a:ln>
-          </p:spPr>
-          <p:style>
-            <a:lnRef idx="2">
-              <a:schemeClr val="accent1"/>
-            </a:lnRef>
-            <a:fillRef idx="0">
-              <a:schemeClr val="accent1"/>
-            </a:fillRef>
-            <a:effectRef idx="1">
-              <a:schemeClr val="accent1"/>
-            </a:effectRef>
-            <a:fontRef idx="minor">
-              <a:schemeClr val="tx1"/>
-            </a:fontRef>
-          </p:style>
-        </p:cxnSp>
-        <p:sp>
-          <p:nvSpPr>
-            <p:cNvPr id="20" name="TextBox 19">
-              <a:extLst>
-                <a:ext uri="{FF2B5EF4-FFF2-40B4-BE49-F238E27FC236}">
-                  <a16:creationId xmlns:a16="http://schemas.microsoft.com/office/drawing/2014/main" id="{0D4CDCA7-7E32-EC4E-A14C-55D80BD34694}"/>
-                </a:ext>
-              </a:extLst>
-            </p:cNvPr>
-            <p:cNvSpPr txBox="1"/>
-            <p:nvPr/>
-          </p:nvSpPr>
-          <p:spPr>
-            <a:xfrm>
-              <a:off x="9459812" y="3180394"/>
-              <a:ext cx="1821589" cy="461665"/>
-            </a:xfrm>
-            <a:prstGeom prst="rect">
-              <a:avLst/>
-            </a:prstGeom>
-            <a:noFill/>
-          </p:spPr>
-          <p:txBody>
-            <a:bodyPr wrap="none" rtlCol="0">
-              <a:spAutoFit/>
-            </a:bodyPr>
-            <a:lstStyle/>
-            <a:p>
-              <a:r>
-                <a:rPr lang="en-US" sz="2400" dirty="0"/>
-                <a:t>State Change</a:t>
-              </a:r>
-            </a:p>
-          </p:txBody>
-        </p:sp>
+          </p:grpSpPr>
+          <p:cxnSp>
+            <p:nvCxnSpPr>
+              <p:cNvPr id="17" name="Curved Connector 16">
+                <a:extLst>
+                  <a:ext uri="{FF2B5EF4-FFF2-40B4-BE49-F238E27FC236}">
+                    <a16:creationId xmlns:a16="http://schemas.microsoft.com/office/drawing/2014/main" id="{48B2FF2B-CDDA-B44E-B1AE-BA14F1219E45}"/>
+                  </a:ext>
+                </a:extLst>
+              </p:cNvPr>
+              <p:cNvCxnSpPr>
+                <a:stCxn id="2" idx="7"/>
+              </p:cNvCxnSpPr>
+              <p:nvPr/>
+            </p:nvCxnSpPr>
+            <p:spPr>
+              <a:xfrm rot="16200000" flipH="1" flipV="1">
+                <a:off x="7323819" y="3324804"/>
+                <a:ext cx="555914" cy="755135"/>
+              </a:xfrm>
+              <a:prstGeom prst="curvedConnector4">
+                <a:avLst>
+                  <a:gd name="adj1" fmla="val -69686"/>
+                  <a:gd name="adj2" fmla="val -169428"/>
+                </a:avLst>
+              </a:prstGeom>
+              <a:ln w="38100">
+                <a:tailEnd type="triangle"/>
+              </a:ln>
+            </p:spPr>
+            <p:style>
+              <a:lnRef idx="2">
+                <a:schemeClr val="accent1"/>
+              </a:lnRef>
+              <a:fillRef idx="0">
+                <a:schemeClr val="accent1"/>
+              </a:fillRef>
+              <a:effectRef idx="1">
+                <a:schemeClr val="accent1"/>
+              </a:effectRef>
+              <a:fontRef idx="minor">
+                <a:schemeClr val="tx1"/>
+              </a:fontRef>
+            </p:style>
+          </p:cxnSp>
+          <p:sp>
+            <p:nvSpPr>
+              <p:cNvPr id="20" name="TextBox 19">
+                <a:extLst>
+                  <a:ext uri="{FF2B5EF4-FFF2-40B4-BE49-F238E27FC236}">
+                    <a16:creationId xmlns:a16="http://schemas.microsoft.com/office/drawing/2014/main" id="{0D4CDCA7-7E32-EC4E-A14C-55D80BD34694}"/>
+                  </a:ext>
+                </a:extLst>
+              </p:cNvPr>
+              <p:cNvSpPr txBox="1"/>
+              <p:nvPr/>
+            </p:nvSpPr>
+            <p:spPr>
+              <a:xfrm>
+                <a:off x="9459812" y="3180394"/>
+                <a:ext cx="1821589" cy="461665"/>
+              </a:xfrm>
+              <a:prstGeom prst="rect">
+                <a:avLst/>
+              </a:prstGeom>
+              <a:noFill/>
+            </p:spPr>
+            <p:txBody>
+              <a:bodyPr wrap="none" rtlCol="0">
+                <a:spAutoFit/>
+              </a:bodyPr>
+              <a:lstStyle/>
+              <a:p>
+                <a:r>
+                  <a:rPr lang="en-US" sz="2400" dirty="0"/>
+                  <a:t>State Change</a:t>
+                </a:r>
+              </a:p>
+            </p:txBody>
+          </p:sp>
+        </p:grpSp>
       </p:grpSp>
     </p:spTree>
   </p:cSld>
   <p:clrMapOvr>
     <a:masterClrMapping/>
   </p:clrMapOvr>
-  <p:timing>
-    <p:tnLst>
-      <p:par>
-        <p:cTn id="1" dur="indefinite" restart="never" nodeType="tmRoot">
-          <p:childTnLst>
-            <p:seq concurrent="1" nextAc="seek">
-              <p:cTn id="2" dur="indefinite" nodeType="mainSeq">
-                <p:childTnLst>
-                  <p:par>
-                    <p:cTn id="3" fill="hold">
-                      <p:stCondLst>
-                        <p:cond delay="indefinite"/>
-                      </p:stCondLst>
-                      <p:childTnLst>
-                        <p:par>
-                          <p:cTn id="4" fill="hold">
-                            <p:stCondLst>
-                              <p:cond delay="0"/>
-                            </p:stCondLst>
-                            <p:childTnLst>
-                              <p:par>
-                                <p:cTn id="5" presetID="1" presetClass="entr" presetSubtype="0" fill="hold" nodeType="clickEffect">
-                                  <p:stCondLst>
-                                    <p:cond delay="0"/>
-                                  </p:stCondLst>
-                                  <p:childTnLst>
-                                    <p:set>
-                                      <p:cBhvr>
-                                        <p:cTn id="6" dur="1" fill="hold">
-                                          <p:stCondLst>
-                                            <p:cond delay="0"/>
-                                          </p:stCondLst>
-                                        </p:cTn>
-                                        <p:tgtEl>
-                                          <p:spTgt spid="21"/>
-                                        </p:tgtEl>
-                                        <p:attrNameLst>
-                                          <p:attrName>style.visibility</p:attrName>
-                                        </p:attrNameLst>
-                                      </p:cBhvr>
-                                      <p:to>
-                                        <p:strVal val="visible"/>
-                                      </p:to>
-                                    </p:set>
-                                  </p:childTnLst>
-                                </p:cTn>
-                              </p:par>
-                            </p:childTnLst>
-                          </p:cTn>
-                        </p:par>
-                      </p:childTnLst>
-                    </p:cTn>
-                  </p:par>
-                  <p:par>
-                    <p:cTn id="7" fill="hold">
-                      <p:stCondLst>
-                        <p:cond delay="indefinite"/>
-                      </p:stCondLst>
-                      <p:childTnLst>
-                        <p:par>
-                          <p:cTn id="8" fill="hold">
-                            <p:stCondLst>
-                              <p:cond delay="0"/>
-                            </p:stCondLst>
-                            <p:childTnLst>
-                              <p:par>
-                                <p:cTn id="9" presetID="1" presetClass="entr" presetSubtype="0" fill="hold" nodeType="clickEffect">
-                                  <p:stCondLst>
-                                    <p:cond delay="0"/>
-                                  </p:stCondLst>
-                                  <p:childTnLst>
-                                    <p:set>
-                                      <p:cBhvr>
-                                        <p:cTn id="10" dur="1" fill="hold">
-                                          <p:stCondLst>
-                                            <p:cond delay="0"/>
-                                          </p:stCondLst>
-                                        </p:cTn>
-                                        <p:tgtEl>
-                                          <p:spTgt spid="22"/>
-                                        </p:tgtEl>
-                                        <p:attrNameLst>
-                                          <p:attrName>style.visibility</p:attrName>
-                                        </p:attrNameLst>
-                                      </p:cBhvr>
-                                      <p:to>
-                                        <p:strVal val="visible"/>
-                                      </p:to>
-                                    </p:set>
-                                  </p:childTnLst>
-                                </p:cTn>
-                              </p:par>
-                            </p:childTnLst>
-                          </p:cTn>
-                        </p:par>
-                      </p:childTnLst>
-                    </p:cTn>
-                  </p:par>
-                  <p:par>
-                    <p:cTn id="11" fill="hold">
-                      <p:stCondLst>
-                        <p:cond delay="indefinite"/>
-                      </p:stCondLst>
-                      <p:childTnLst>
-                        <p:par>
-                          <p:cTn id="12" fill="hold">
-                            <p:stCondLst>
-                              <p:cond delay="0"/>
-                            </p:stCondLst>
-                            <p:childTnLst>
-                              <p:par>
-                                <p:cTn id="13" presetID="1" presetClass="entr" presetSubtype="0" fill="hold" nodeType="clickEffect">
-                                  <p:stCondLst>
-                                    <p:cond delay="0"/>
-                                  </p:stCondLst>
-                                  <p:childTnLst>
-                                    <p:set>
-                                      <p:cBhvr>
-                                        <p:cTn id="14" dur="1" fill="hold">
-                                          <p:stCondLst>
-                                            <p:cond delay="0"/>
-                                          </p:stCondLst>
-                                        </p:cTn>
-                                        <p:tgtEl>
-                                          <p:spTgt spid="23"/>
-                                        </p:tgtEl>
-                                        <p:attrNameLst>
-                                          <p:attrName>style.visibility</p:attrName>
-                                        </p:attrNameLst>
-                                      </p:cBhvr>
-                                      <p:to>
-                                        <p:strVal val="visible"/>
-                                      </p:to>
-                                    </p:set>
-                                  </p:childTnLst>
-                                </p:cTn>
-                              </p:par>
-                            </p:childTnLst>
-                          </p:cTn>
-                        </p:par>
-                      </p:childTnLst>
-                    </p:cTn>
-                  </p:par>
-                </p:childTnLst>
-              </p:cTn>
-              <p:prevCondLst>
-                <p:cond evt="onPrev" delay="0">
-                  <p:tgtEl>
-                    <p:sldTgt/>
-                  </p:tgtEl>
-                </p:cond>
-              </p:prevCondLst>
-              <p:nextCondLst>
-                <p:cond evt="onNext" delay="0">
-                  <p:tgtEl>
-                    <p:sldTgt/>
-                  </p:tgtEl>
-                </p:cond>
-              </p:nextCondLst>
-            </p:seq>
-          </p:childTnLst>
-        </p:cTn>
-      </p:par>
-    </p:tnLst>
-  </p:timing>
 </p:sld>
 </file>
 
